--- a/portfolio_신준혁.pptx
+++ b/portfolio_신준혁.pptx
@@ -9,7 +9,10 @@
     <p:sldId id="259" r:id="rId3"/>
     <p:sldId id="257" r:id="rId4"/>
     <p:sldId id="260" r:id="rId5"/>
-    <p:sldId id="261" r:id="rId6"/>
+    <p:sldId id="263" r:id="rId6"/>
+    <p:sldId id="264" r:id="rId7"/>
+    <p:sldId id="261" r:id="rId8"/>
+    <p:sldId id="262" r:id="rId9"/>
   </p:sldIdLst>
   <p:sldSz cx="12192000" cy="6858000"/>
   <p:notesSz cx="6858000" cy="9144000"/>
@@ -108,6 +111,11 @@
       </a:defRPr>
     </a:lvl9pPr>
   </p:defaultTextStyle>
+  <p:extLst>
+    <p:ext uri="{EFAFB233-063F-42B5-8137-9DF3F51BA10A}">
+      <p15:sldGuideLst xmlns:p15="http://schemas.microsoft.com/office/powerpoint/2012/main"/>
+    </p:ext>
+  </p:extLst>
 </p:presentation>
 </file>
 
@@ -3538,7 +3546,7 @@
         <p:spPr>
           <a:xfrm>
             <a:off x="232567" y="149834"/>
-            <a:ext cx="4025461" cy="276999"/>
+            <a:ext cx="3975768" cy="276999"/>
           </a:xfrm>
           <a:prstGeom prst="rect">
             <a:avLst/>
@@ -3569,7 +3577,7 @@
                   </a:schemeClr>
                 </a:solidFill>
               </a:rPr>
-              <a:t>을 통해 직접 만든 웹사이트로 보시면 더욱 </a:t>
+              <a:t>을 통해 직접 만든 웹사이트로 보시면 더 좋습니다</a:t>
             </a:r>
             <a:r>
               <a:rPr lang="en-US" altLang="ko-KR" sz="1200" b="1" dirty="0">
@@ -3579,18 +3587,15 @@
                   </a:schemeClr>
                 </a:solidFill>
               </a:rPr>
-              <a:t>~~~~</a:t>
-            </a:r>
-            <a:r>
-              <a:rPr lang="ko-KR" altLang="en-US" sz="1200" b="1" dirty="0">
-                <a:solidFill>
-                  <a:schemeClr val="accent2">
-                    <a:lumMod val="75000"/>
-                  </a:schemeClr>
-                </a:solidFill>
-              </a:rPr>
-              <a:t>  </a:t>
-            </a:r>
+              <a:t>.</a:t>
+            </a:r>
+            <a:endParaRPr lang="ko-KR" altLang="en-US" sz="1200" b="1" dirty="0">
+              <a:solidFill>
+                <a:schemeClr val="accent2">
+                  <a:lumMod val="75000"/>
+                </a:schemeClr>
+              </a:solidFill>
+            </a:endParaRPr>
           </a:p>
         </p:txBody>
       </p:sp>
@@ -3724,7 +3729,7 @@
         </p:nvSpPr>
         <p:spPr>
           <a:xfrm>
-            <a:off x="4440025" y="608030"/>
+            <a:off x="4732256" y="608030"/>
             <a:ext cx="471342" cy="358219"/>
           </a:xfrm>
           <a:prstGeom prst="flowChartTerminator">
@@ -3791,7 +3796,7 @@
         </p:blipFill>
         <p:spPr>
           <a:xfrm>
-            <a:off x="4501300" y="650547"/>
+            <a:off x="4793531" y="650547"/>
             <a:ext cx="311084" cy="292038"/>
           </a:xfrm>
           <a:prstGeom prst="rect">
@@ -3813,7 +3818,7 @@
         </p:nvSpPr>
         <p:spPr>
           <a:xfrm>
-            <a:off x="5044911" y="619025"/>
+            <a:off x="5337142" y="619025"/>
             <a:ext cx="471342" cy="358219"/>
           </a:xfrm>
           <a:prstGeom prst="flowChartTerminator">
@@ -3872,7 +3877,7 @@
         </p:nvSpPr>
         <p:spPr>
           <a:xfrm>
-            <a:off x="5649797" y="630020"/>
+            <a:off x="5942028" y="630020"/>
             <a:ext cx="471342" cy="358219"/>
           </a:xfrm>
           <a:prstGeom prst="flowChartTerminator">
@@ -3931,7 +3936,7 @@
         </p:nvSpPr>
         <p:spPr>
           <a:xfrm>
-            <a:off x="6254683" y="641015"/>
+            <a:off x="6546914" y="641015"/>
             <a:ext cx="471342" cy="358219"/>
           </a:xfrm>
           <a:prstGeom prst="flowChartTerminator">
@@ -3990,7 +3995,7 @@
         </p:nvSpPr>
         <p:spPr>
           <a:xfrm>
-            <a:off x="6859569" y="652010"/>
+            <a:off x="7151800" y="652010"/>
             <a:ext cx="471342" cy="358219"/>
           </a:xfrm>
           <a:prstGeom prst="flowChartTerminator">
@@ -4038,39 +4043,10 @@
       <p:pic>
         <p:nvPicPr>
           <p:cNvPr id="14" name="그림 13">
+            <a:hlinkClick r:id="rId3" action="ppaction://hlinksldjump"/>
             <a:extLst>
               <a:ext uri="{FF2B5EF4-FFF2-40B4-BE49-F238E27FC236}">
                 <a16:creationId xmlns:a16="http://schemas.microsoft.com/office/drawing/2014/main" id="{DCADA4EA-0C12-5E33-7D6C-ABFAB7274928}"/>
-              </a:ext>
-            </a:extLst>
-          </p:cNvPr>
-          <p:cNvPicPr>
-            <a:picLocks noChangeAspect="1"/>
-          </p:cNvPicPr>
-          <p:nvPr/>
-        </p:nvPicPr>
-        <p:blipFill>
-          <a:blip r:embed="rId3"/>
-          <a:stretch>
-            <a:fillRect/>
-          </a:stretch>
-        </p:blipFill>
-        <p:spPr>
-          <a:xfrm>
-            <a:off x="5137706" y="649107"/>
-            <a:ext cx="285750" cy="303068"/>
-          </a:xfrm>
-          <a:prstGeom prst="rect">
-            <a:avLst/>
-          </a:prstGeom>
-        </p:spPr>
-      </p:pic>
-      <p:pic>
-        <p:nvPicPr>
-          <p:cNvPr id="16" name="그림 15">
-            <a:extLst>
-              <a:ext uri="{FF2B5EF4-FFF2-40B4-BE49-F238E27FC236}">
-                <a16:creationId xmlns:a16="http://schemas.microsoft.com/office/drawing/2014/main" id="{0C4CAEE2-AA9F-9755-E28B-ADC1D806B1A3}"/>
               </a:ext>
             </a:extLst>
           </p:cNvPr>
@@ -4087,8 +4063,8 @@
         </p:blipFill>
         <p:spPr>
           <a:xfrm>
-            <a:off x="5738764" y="668351"/>
-            <a:ext cx="293407" cy="279095"/>
+            <a:off x="5429937" y="649107"/>
+            <a:ext cx="285750" cy="303068"/>
           </a:xfrm>
           <a:prstGeom prst="rect">
             <a:avLst/>
@@ -4097,40 +4073,11 @@
       </p:pic>
       <p:pic>
         <p:nvPicPr>
-          <p:cNvPr id="18" name="그림 17">
-            <a:extLst>
-              <a:ext uri="{FF2B5EF4-FFF2-40B4-BE49-F238E27FC236}">
-                <a16:creationId xmlns:a16="http://schemas.microsoft.com/office/drawing/2014/main" id="{D8E6F84F-3C48-4B9A-BD6C-B31F1C1B6925}"/>
-              </a:ext>
-            </a:extLst>
-          </p:cNvPr>
-          <p:cNvPicPr>
-            <a:picLocks noChangeAspect="1"/>
-          </p:cNvPicPr>
-          <p:nvPr/>
-        </p:nvPicPr>
-        <p:blipFill>
-          <a:blip r:embed="rId5"/>
-          <a:stretch>
-            <a:fillRect/>
-          </a:stretch>
-        </p:blipFill>
-        <p:spPr>
-          <a:xfrm>
-            <a:off x="6285004" y="687070"/>
-            <a:ext cx="355023" cy="294409"/>
-          </a:xfrm>
-          <a:prstGeom prst="rect">
-            <a:avLst/>
-          </a:prstGeom>
-        </p:spPr>
-      </p:pic>
-      <p:pic>
-        <p:nvPicPr>
-          <p:cNvPr id="20" name="그림 19">
-            <a:extLst>
-              <a:ext uri="{FF2B5EF4-FFF2-40B4-BE49-F238E27FC236}">
-                <a16:creationId xmlns:a16="http://schemas.microsoft.com/office/drawing/2014/main" id="{503DB56B-720C-BBF2-F01E-82111DC85096}"/>
+          <p:cNvPr id="16" name="그림 15">
+            <a:hlinkClick r:id="rId5" action="ppaction://hlinksldjump"/>
+            <a:extLst>
+              <a:ext uri="{FF2B5EF4-FFF2-40B4-BE49-F238E27FC236}">
+                <a16:creationId xmlns:a16="http://schemas.microsoft.com/office/drawing/2014/main" id="{0C4CAEE2-AA9F-9755-E28B-ADC1D806B1A3}"/>
               </a:ext>
             </a:extLst>
           </p:cNvPr>
@@ -4147,7 +4094,69 @@
         </p:blipFill>
         <p:spPr>
           <a:xfrm>
-            <a:off x="6945674" y="671597"/>
+            <a:off x="6030995" y="668351"/>
+            <a:ext cx="293407" cy="279095"/>
+          </a:xfrm>
+          <a:prstGeom prst="rect">
+            <a:avLst/>
+          </a:prstGeom>
+        </p:spPr>
+      </p:pic>
+      <p:pic>
+        <p:nvPicPr>
+          <p:cNvPr id="18" name="그림 17">
+            <a:hlinkClick r:id="rId7" action="ppaction://hlinksldjump"/>
+            <a:extLst>
+              <a:ext uri="{FF2B5EF4-FFF2-40B4-BE49-F238E27FC236}">
+                <a16:creationId xmlns:a16="http://schemas.microsoft.com/office/drawing/2014/main" id="{D8E6F84F-3C48-4B9A-BD6C-B31F1C1B6925}"/>
+              </a:ext>
+            </a:extLst>
+          </p:cNvPr>
+          <p:cNvPicPr>
+            <a:picLocks noChangeAspect="1"/>
+          </p:cNvPicPr>
+          <p:nvPr/>
+        </p:nvPicPr>
+        <p:blipFill>
+          <a:blip r:embed="rId8"/>
+          <a:stretch>
+            <a:fillRect/>
+          </a:stretch>
+        </p:blipFill>
+        <p:spPr>
+          <a:xfrm>
+            <a:off x="6577235" y="687070"/>
+            <a:ext cx="355023" cy="294409"/>
+          </a:xfrm>
+          <a:prstGeom prst="rect">
+            <a:avLst/>
+          </a:prstGeom>
+        </p:spPr>
+      </p:pic>
+      <p:pic>
+        <p:nvPicPr>
+          <p:cNvPr id="20" name="그림 19">
+            <a:hlinkClick r:id="rId9" action="ppaction://hlinksldjump"/>
+            <a:extLst>
+              <a:ext uri="{FF2B5EF4-FFF2-40B4-BE49-F238E27FC236}">
+                <a16:creationId xmlns:a16="http://schemas.microsoft.com/office/drawing/2014/main" id="{503DB56B-720C-BBF2-F01E-82111DC85096}"/>
+              </a:ext>
+            </a:extLst>
+          </p:cNvPr>
+          <p:cNvPicPr>
+            <a:picLocks noChangeAspect="1"/>
+          </p:cNvPicPr>
+          <p:nvPr/>
+        </p:nvPicPr>
+        <p:blipFill>
+          <a:blip r:embed="rId10"/>
+          <a:stretch>
+            <a:fillRect/>
+          </a:stretch>
+        </p:blipFill>
+        <p:spPr>
+          <a:xfrm>
+            <a:off x="7237905" y="671597"/>
             <a:ext cx="299132" cy="291260"/>
           </a:xfrm>
           <a:prstGeom prst="rect">
@@ -4169,7 +4178,7 @@
         </p:nvSpPr>
         <p:spPr>
           <a:xfrm>
-            <a:off x="5162744" y="153851"/>
+            <a:off x="5454975" y="153851"/>
             <a:ext cx="1459584" cy="369332"/>
           </a:xfrm>
           <a:prstGeom prst="rect">
@@ -4211,8 +4220,8 @@
         </p:nvSpPr>
         <p:spPr>
           <a:xfrm>
-            <a:off x="2326849" y="2598037"/>
-            <a:ext cx="3411915" cy="3591612"/>
+            <a:off x="1451094" y="2598037"/>
+            <a:ext cx="4541260" cy="3591612"/>
           </a:xfrm>
           <a:prstGeom prst="roundRect">
             <a:avLst/>
@@ -4252,16 +4261,755 @@
           <a:lstStyle/>
           <a:p>
             <a:pPr algn="ctr"/>
-            <a:endParaRPr lang="ko-KR" altLang="en-US"/>
-          </a:p>
-        </p:txBody>
-      </p:sp>
-      <p:sp>
-        <p:nvSpPr>
-          <p:cNvPr id="23" name="사각형: 둥근 모서리 22">
-            <a:extLst>
-              <a:ext uri="{FF2B5EF4-FFF2-40B4-BE49-F238E27FC236}">
-                <a16:creationId xmlns:a16="http://schemas.microsoft.com/office/drawing/2014/main" id="{07F13385-2EF9-2168-1AC5-170BA7F0D936}"/>
+            <a:endParaRPr lang="ko-KR" altLang="en-US" dirty="0"/>
+          </a:p>
+        </p:txBody>
+      </p:sp>
+      <p:sp>
+        <p:nvSpPr>
+          <p:cNvPr id="24" name="TextBox 23">
+            <a:extLst>
+              <a:ext uri="{FF2B5EF4-FFF2-40B4-BE49-F238E27FC236}">
+                <a16:creationId xmlns:a16="http://schemas.microsoft.com/office/drawing/2014/main" id="{91FA73DC-6017-11D8-9519-D882190348F3}"/>
+              </a:ext>
+            </a:extLst>
+          </p:cNvPr>
+          <p:cNvSpPr txBox="1"/>
+          <p:nvPr/>
+        </p:nvSpPr>
+        <p:spPr>
+          <a:xfrm>
+            <a:off x="1679859" y="1406842"/>
+            <a:ext cx="8882560" cy="830997"/>
+          </a:xfrm>
+          <a:prstGeom prst="rect">
+            <a:avLst/>
+          </a:prstGeom>
+          <a:noFill/>
+        </p:spPr>
+        <p:txBody>
+          <a:bodyPr wrap="none" rtlCol="0">
+            <a:spAutoFit/>
+          </a:bodyPr>
+          <a:lstStyle/>
+          <a:p>
+            <a:pPr algn="ctr"/>
+            <a:r>
+              <a:rPr lang="en-US" altLang="ko-KR" sz="1600" b="1" i="0" dirty="0">
+                <a:solidFill>
+                  <a:srgbClr val="555555"/>
+                </a:solidFill>
+                <a:effectLst/>
+                <a:latin typeface="roboto" panose="02000000000000000000" pitchFamily="2" charset="0"/>
+                <a:ea typeface="roboto" panose="02000000000000000000" pitchFamily="2" charset="0"/>
+                <a:cs typeface="roboto" panose="02000000000000000000" pitchFamily="2" charset="0"/>
+              </a:rPr>
+              <a:t>Flask </a:t>
+            </a:r>
+            <a:r>
+              <a:rPr lang="ko-KR" altLang="en-US" sz="1600" b="1" i="0" dirty="0">
+                <a:solidFill>
+                  <a:srgbClr val="555555"/>
+                </a:solidFill>
+                <a:effectLst/>
+                <a:latin typeface="roboto" panose="02000000000000000000" pitchFamily="2" charset="0"/>
+                <a:cs typeface="roboto" panose="02000000000000000000" pitchFamily="2" charset="0"/>
+              </a:rPr>
+              <a:t>기반 웹 개발과 </a:t>
+            </a:r>
+            <a:r>
+              <a:rPr lang="ko-KR" altLang="en-US" sz="1600" b="1" i="0" dirty="0" err="1">
+                <a:solidFill>
+                  <a:srgbClr val="555555"/>
+                </a:solidFill>
+                <a:effectLst/>
+                <a:latin typeface="roboto" panose="02000000000000000000" pitchFamily="2" charset="0"/>
+                <a:cs typeface="roboto" panose="02000000000000000000" pitchFamily="2" charset="0"/>
+              </a:rPr>
+              <a:t>머신러닝</a:t>
+            </a:r>
+            <a:r>
+              <a:rPr lang="en-US" altLang="ko-KR" sz="1600" b="1" i="0" dirty="0">
+                <a:solidFill>
+                  <a:srgbClr val="555555"/>
+                </a:solidFill>
+                <a:effectLst/>
+                <a:latin typeface="roboto" panose="02000000000000000000" pitchFamily="2" charset="0"/>
+                <a:ea typeface="roboto" panose="02000000000000000000" pitchFamily="2" charset="0"/>
+                <a:cs typeface="roboto" panose="02000000000000000000" pitchFamily="2" charset="0"/>
+              </a:rPr>
+              <a:t>·</a:t>
+            </a:r>
+            <a:r>
+              <a:rPr lang="ko-KR" altLang="en-US" sz="1600" b="1" i="0" dirty="0" err="1">
+                <a:solidFill>
+                  <a:srgbClr val="555555"/>
+                </a:solidFill>
+                <a:effectLst/>
+                <a:latin typeface="roboto" panose="02000000000000000000" pitchFamily="2" charset="0"/>
+                <a:cs typeface="roboto" panose="02000000000000000000" pitchFamily="2" charset="0"/>
+              </a:rPr>
+              <a:t>딥러닝을</a:t>
+            </a:r>
+            <a:r>
+              <a:rPr lang="ko-KR" altLang="en-US" sz="1600" b="1" i="0" dirty="0">
+                <a:solidFill>
+                  <a:srgbClr val="555555"/>
+                </a:solidFill>
+                <a:effectLst/>
+                <a:latin typeface="roboto" panose="02000000000000000000" pitchFamily="2" charset="0"/>
+                <a:cs typeface="roboto" panose="02000000000000000000" pitchFamily="2" charset="0"/>
+              </a:rPr>
+              <a:t> 활용한 데이터 솔루션을 구축하는 개발자 </a:t>
+            </a:r>
+            <a:r>
+              <a:rPr lang="ko-KR" altLang="en-US" sz="1600" b="1" i="0" u="sng" dirty="0" err="1">
+                <a:solidFill>
+                  <a:srgbClr val="001F3F"/>
+                </a:solidFill>
+                <a:effectLst/>
+                <a:latin typeface="roboto" panose="02000000000000000000" pitchFamily="2" charset="0"/>
+                <a:cs typeface="roboto" panose="02000000000000000000" pitchFamily="2" charset="0"/>
+              </a:rPr>
+              <a:t>신준혁</a:t>
+            </a:r>
+            <a:r>
+              <a:rPr lang="ko-KR" altLang="en-US" sz="1600" b="1" i="0" dirty="0" err="1">
+                <a:solidFill>
+                  <a:srgbClr val="555555"/>
+                </a:solidFill>
+                <a:effectLst/>
+                <a:latin typeface="roboto" panose="02000000000000000000" pitchFamily="2" charset="0"/>
+                <a:cs typeface="roboto" panose="02000000000000000000" pitchFamily="2" charset="0"/>
+              </a:rPr>
+              <a:t>입니다</a:t>
+            </a:r>
+            <a:r>
+              <a:rPr lang="en-US" altLang="ko-KR" sz="1600" b="1" i="0" dirty="0">
+                <a:solidFill>
+                  <a:srgbClr val="555555"/>
+                </a:solidFill>
+                <a:effectLst/>
+                <a:latin typeface="roboto" panose="02000000000000000000" pitchFamily="2" charset="0"/>
+                <a:ea typeface="roboto" panose="02000000000000000000" pitchFamily="2" charset="0"/>
+                <a:cs typeface="roboto" panose="02000000000000000000" pitchFamily="2" charset="0"/>
+              </a:rPr>
+              <a:t>.</a:t>
+            </a:r>
+            <a:br>
+              <a:rPr lang="ko-KR" altLang="en-US" sz="1600" b="1" dirty="0">
+                <a:latin typeface="roboto" panose="02000000000000000000" pitchFamily="2" charset="0"/>
+                <a:cs typeface="roboto" panose="02000000000000000000" pitchFamily="2" charset="0"/>
+              </a:rPr>
+            </a:br>
+            <a:r>
+              <a:rPr lang="en-US" altLang="ko-KR" sz="1600" b="1" i="0" dirty="0">
+                <a:solidFill>
+                  <a:srgbClr val="555555"/>
+                </a:solidFill>
+                <a:effectLst/>
+                <a:latin typeface="roboto" panose="02000000000000000000" pitchFamily="2" charset="0"/>
+                <a:ea typeface="roboto" panose="02000000000000000000" pitchFamily="2" charset="0"/>
+                <a:cs typeface="roboto" panose="02000000000000000000" pitchFamily="2" charset="0"/>
+              </a:rPr>
+              <a:t>API </a:t>
+            </a:r>
+            <a:r>
+              <a:rPr lang="ko-KR" altLang="en-US" sz="1600" b="1" i="0" dirty="0">
+                <a:solidFill>
+                  <a:srgbClr val="555555"/>
+                </a:solidFill>
+                <a:effectLst/>
+                <a:latin typeface="roboto" panose="02000000000000000000" pitchFamily="2" charset="0"/>
+                <a:cs typeface="roboto" panose="02000000000000000000" pitchFamily="2" charset="0"/>
+              </a:rPr>
+              <a:t>설계</a:t>
+            </a:r>
+            <a:r>
+              <a:rPr lang="en-US" altLang="ko-KR" sz="1600" b="1" i="0" dirty="0">
+                <a:solidFill>
+                  <a:srgbClr val="555555"/>
+                </a:solidFill>
+                <a:effectLst/>
+                <a:latin typeface="roboto" panose="02000000000000000000" pitchFamily="2" charset="0"/>
+                <a:ea typeface="roboto" panose="02000000000000000000" pitchFamily="2" charset="0"/>
+                <a:cs typeface="roboto" panose="02000000000000000000" pitchFamily="2" charset="0"/>
+              </a:rPr>
+              <a:t>, MySQL </a:t>
+            </a:r>
+            <a:r>
+              <a:rPr lang="ko-KR" altLang="en-US" sz="1600" b="1" i="0" dirty="0">
+                <a:solidFill>
+                  <a:srgbClr val="555555"/>
+                </a:solidFill>
+                <a:effectLst/>
+                <a:latin typeface="roboto" panose="02000000000000000000" pitchFamily="2" charset="0"/>
+                <a:cs typeface="roboto" panose="02000000000000000000" pitchFamily="2" charset="0"/>
+              </a:rPr>
+              <a:t>데이터 관리</a:t>
+            </a:r>
+            <a:r>
+              <a:rPr lang="en-US" altLang="ko-KR" sz="1600" b="1" i="0" dirty="0">
+                <a:solidFill>
+                  <a:srgbClr val="555555"/>
+                </a:solidFill>
+                <a:effectLst/>
+                <a:latin typeface="roboto" panose="02000000000000000000" pitchFamily="2" charset="0"/>
+                <a:ea typeface="roboto" panose="02000000000000000000" pitchFamily="2" charset="0"/>
+                <a:cs typeface="roboto" panose="02000000000000000000" pitchFamily="2" charset="0"/>
+              </a:rPr>
+              <a:t>, </a:t>
+            </a:r>
+            <a:r>
+              <a:rPr lang="ko-KR" altLang="en-US" sz="1600" b="1" i="0" dirty="0">
+                <a:solidFill>
+                  <a:srgbClr val="555555"/>
+                </a:solidFill>
+                <a:effectLst/>
+                <a:latin typeface="roboto" panose="02000000000000000000" pitchFamily="2" charset="0"/>
+                <a:cs typeface="roboto" panose="02000000000000000000" pitchFamily="2" charset="0"/>
+              </a:rPr>
+              <a:t>서버 운영 및 도메인 배포까지 경험하며</a:t>
+            </a:r>
+            <a:r>
+              <a:rPr lang="en-US" altLang="ko-KR" sz="1600" b="1" i="0" dirty="0">
+                <a:solidFill>
+                  <a:srgbClr val="555555"/>
+                </a:solidFill>
+                <a:effectLst/>
+                <a:latin typeface="roboto" panose="02000000000000000000" pitchFamily="2" charset="0"/>
+                <a:ea typeface="roboto" panose="02000000000000000000" pitchFamily="2" charset="0"/>
+                <a:cs typeface="roboto" panose="02000000000000000000" pitchFamily="2" charset="0"/>
+              </a:rPr>
+              <a:t>,</a:t>
+            </a:r>
+            <a:br>
+              <a:rPr lang="ko-KR" altLang="en-US" sz="1600" b="1" dirty="0">
+                <a:latin typeface="roboto" panose="02000000000000000000" pitchFamily="2" charset="0"/>
+                <a:cs typeface="roboto" panose="02000000000000000000" pitchFamily="2" charset="0"/>
+              </a:rPr>
+            </a:br>
+            <a:r>
+              <a:rPr lang="ko-KR" altLang="en-US" sz="1600" b="1" i="0" u="sng" dirty="0">
+                <a:solidFill>
+                  <a:srgbClr val="001F3F"/>
+                </a:solidFill>
+                <a:effectLst/>
+                <a:latin typeface="roboto" panose="02000000000000000000" pitchFamily="2" charset="0"/>
+                <a:cs typeface="roboto" panose="02000000000000000000" pitchFamily="2" charset="0"/>
+              </a:rPr>
+              <a:t>소통과 협업</a:t>
+            </a:r>
+            <a:r>
+              <a:rPr lang="ko-KR" altLang="en-US" sz="1600" b="1" i="0" dirty="0">
+                <a:solidFill>
+                  <a:srgbClr val="555555"/>
+                </a:solidFill>
+                <a:effectLst/>
+                <a:latin typeface="roboto" panose="02000000000000000000" pitchFamily="2" charset="0"/>
+                <a:cs typeface="roboto" panose="02000000000000000000" pitchFamily="2" charset="0"/>
+              </a:rPr>
+              <a:t>을 통해 최적의 솔루션을 도출하는 것을 중요하게 생각합니다</a:t>
+            </a:r>
+            <a:r>
+              <a:rPr lang="en-US" altLang="ko-KR" sz="1600" b="1" i="0" dirty="0">
+                <a:solidFill>
+                  <a:srgbClr val="555555"/>
+                </a:solidFill>
+                <a:effectLst/>
+                <a:latin typeface="roboto" panose="02000000000000000000" pitchFamily="2" charset="0"/>
+                <a:ea typeface="roboto" panose="02000000000000000000" pitchFamily="2" charset="0"/>
+                <a:cs typeface="roboto" panose="02000000000000000000" pitchFamily="2" charset="0"/>
+              </a:rPr>
+              <a:t>.</a:t>
+            </a:r>
+            <a:endParaRPr lang="ko-KR" altLang="en-US" sz="1600" b="1" dirty="0">
+              <a:latin typeface="roboto" panose="02000000000000000000" pitchFamily="2" charset="0"/>
+              <a:cs typeface="roboto" panose="02000000000000000000" pitchFamily="2" charset="0"/>
+            </a:endParaRPr>
+          </a:p>
+        </p:txBody>
+      </p:sp>
+      <p:cxnSp>
+        <p:nvCxnSpPr>
+          <p:cNvPr id="3" name="직선 연결선 2">
+            <a:extLst>
+              <a:ext uri="{FF2B5EF4-FFF2-40B4-BE49-F238E27FC236}">
+                <a16:creationId xmlns:a16="http://schemas.microsoft.com/office/drawing/2014/main" id="{C0B07C04-3440-61A9-2657-606A0830E408}"/>
+              </a:ext>
+            </a:extLst>
+          </p:cNvPr>
+          <p:cNvCxnSpPr/>
+          <p:nvPr/>
+        </p:nvCxnSpPr>
+        <p:spPr>
+          <a:xfrm>
+            <a:off x="1607293" y="5099904"/>
+            <a:ext cx="4207452" cy="0"/>
+          </a:xfrm>
+          <a:prstGeom prst="line">
+            <a:avLst/>
+          </a:prstGeom>
+          <a:ln w="12700">
+            <a:solidFill>
+              <a:schemeClr val="bg2">
+                <a:lumMod val="75000"/>
+              </a:schemeClr>
+            </a:solidFill>
+          </a:ln>
+        </p:spPr>
+        <p:style>
+          <a:lnRef idx="2">
+            <a:schemeClr val="accent1"/>
+          </a:lnRef>
+          <a:fillRef idx="0">
+            <a:schemeClr val="accent1"/>
+          </a:fillRef>
+          <a:effectRef idx="1">
+            <a:schemeClr val="accent1"/>
+          </a:effectRef>
+          <a:fontRef idx="minor">
+            <a:schemeClr val="tx1"/>
+          </a:fontRef>
+        </p:style>
+      </p:cxnSp>
+      <p:cxnSp>
+        <p:nvCxnSpPr>
+          <p:cNvPr id="5" name="직선 연결선 4">
+            <a:extLst>
+              <a:ext uri="{FF2B5EF4-FFF2-40B4-BE49-F238E27FC236}">
+                <a16:creationId xmlns:a16="http://schemas.microsoft.com/office/drawing/2014/main" id="{E0D42A2F-B2C2-E688-4E41-34F99E4C351D}"/>
+              </a:ext>
+            </a:extLst>
+          </p:cNvPr>
+          <p:cNvCxnSpPr/>
+          <p:nvPr/>
+        </p:nvCxnSpPr>
+        <p:spPr>
+          <a:xfrm>
+            <a:off x="1608861" y="5525682"/>
+            <a:ext cx="4207452" cy="0"/>
+          </a:xfrm>
+          <a:prstGeom prst="line">
+            <a:avLst/>
+          </a:prstGeom>
+          <a:ln w="12700">
+            <a:solidFill>
+              <a:schemeClr val="bg2">
+                <a:lumMod val="75000"/>
+              </a:schemeClr>
+            </a:solidFill>
+          </a:ln>
+        </p:spPr>
+        <p:style>
+          <a:lnRef idx="2">
+            <a:schemeClr val="accent1"/>
+          </a:lnRef>
+          <a:fillRef idx="0">
+            <a:schemeClr val="accent1"/>
+          </a:fillRef>
+          <a:effectRef idx="1">
+            <a:schemeClr val="accent1"/>
+          </a:effectRef>
+          <a:fontRef idx="minor">
+            <a:schemeClr val="tx1"/>
+          </a:fontRef>
+        </p:style>
+      </p:cxnSp>
+      <p:cxnSp>
+        <p:nvCxnSpPr>
+          <p:cNvPr id="7" name="직선 연결선 6">
+            <a:extLst>
+              <a:ext uri="{FF2B5EF4-FFF2-40B4-BE49-F238E27FC236}">
+                <a16:creationId xmlns:a16="http://schemas.microsoft.com/office/drawing/2014/main" id="{6483D275-EB28-EE07-7AB4-F2B66537F8B4}"/>
+              </a:ext>
+            </a:extLst>
+          </p:cNvPr>
+          <p:cNvCxnSpPr/>
+          <p:nvPr/>
+        </p:nvCxnSpPr>
+        <p:spPr>
+          <a:xfrm>
+            <a:off x="1618291" y="4620705"/>
+            <a:ext cx="4207452" cy="0"/>
+          </a:xfrm>
+          <a:prstGeom prst="line">
+            <a:avLst/>
+          </a:prstGeom>
+          <a:ln w="12700">
+            <a:solidFill>
+              <a:schemeClr val="bg2">
+                <a:lumMod val="75000"/>
+              </a:schemeClr>
+            </a:solidFill>
+          </a:ln>
+        </p:spPr>
+        <p:style>
+          <a:lnRef idx="2">
+            <a:schemeClr val="accent1"/>
+          </a:lnRef>
+          <a:fillRef idx="0">
+            <a:schemeClr val="accent1"/>
+          </a:fillRef>
+          <a:effectRef idx="1">
+            <a:schemeClr val="accent1"/>
+          </a:effectRef>
+          <a:fontRef idx="minor">
+            <a:schemeClr val="tx1"/>
+          </a:fontRef>
+        </p:style>
+      </p:cxnSp>
+      <p:pic>
+        <p:nvPicPr>
+          <p:cNvPr id="15" name="그림 14" descr="텍스트, 인간의 얼굴, 스크린샷, 웹사이트이(가) 표시된 사진&#10;&#10;자동 생성된 설명">
+            <a:extLst>
+              <a:ext uri="{FF2B5EF4-FFF2-40B4-BE49-F238E27FC236}">
+                <a16:creationId xmlns:a16="http://schemas.microsoft.com/office/drawing/2014/main" id="{E835C089-E653-1947-875D-62462D8591A2}"/>
+              </a:ext>
+            </a:extLst>
+          </p:cNvPr>
+          <p:cNvPicPr>
+            <a:picLocks noChangeAspect="1"/>
+          </p:cNvPicPr>
+          <p:nvPr/>
+        </p:nvPicPr>
+        <p:blipFill>
+          <a:blip r:embed="rId11">
+            <a:extLst>
+              <a:ext uri="{28A0092B-C50C-407E-A947-70E740481C1C}">
+                <a14:useLocalDpi xmlns:a14="http://schemas.microsoft.com/office/drawing/2010/main" val="0"/>
+              </a:ext>
+            </a:extLst>
+          </a:blip>
+          <a:stretch>
+            <a:fillRect/>
+          </a:stretch>
+        </p:blipFill>
+        <p:spPr>
+          <a:xfrm>
+            <a:off x="2586576" y="2702891"/>
+            <a:ext cx="2226297" cy="1190459"/>
+          </a:xfrm>
+          <a:prstGeom prst="rect">
+            <a:avLst/>
+          </a:prstGeom>
+        </p:spPr>
+      </p:pic>
+      <p:sp>
+        <p:nvSpPr>
+          <p:cNvPr id="29" name="TextBox 28">
+            <a:extLst>
+              <a:ext uri="{FF2B5EF4-FFF2-40B4-BE49-F238E27FC236}">
+                <a16:creationId xmlns:a16="http://schemas.microsoft.com/office/drawing/2014/main" id="{D750F592-30DF-CF9D-CD59-E179EC2221E5}"/>
+              </a:ext>
+            </a:extLst>
+          </p:cNvPr>
+          <p:cNvSpPr txBox="1"/>
+          <p:nvPr/>
+        </p:nvSpPr>
+        <p:spPr>
+          <a:xfrm>
+            <a:off x="2876056" y="3918248"/>
+            <a:ext cx="1590773" cy="276999"/>
+          </a:xfrm>
+          <a:prstGeom prst="rect">
+            <a:avLst/>
+          </a:prstGeom>
+          <a:noFill/>
+        </p:spPr>
+        <p:txBody>
+          <a:bodyPr wrap="square">
+            <a:spAutoFit/>
+          </a:bodyPr>
+          <a:lstStyle/>
+          <a:p>
+            <a:pPr algn="ctr"/>
+            <a:r>
+              <a:rPr lang="ko-KR" altLang="en-US" sz="1200" b="1" i="0" dirty="0">
+                <a:solidFill>
+                  <a:srgbClr val="333333"/>
+                </a:solidFill>
+                <a:effectLst/>
+                <a:latin typeface="Roboto" panose="02000000000000000000" pitchFamily="2" charset="0"/>
+              </a:rPr>
+              <a:t>📌 </a:t>
+            </a:r>
+            <a:r>
+              <a:rPr lang="en-US" altLang="ko-KR" sz="1200" b="1" i="0" dirty="0" err="1">
+                <a:solidFill>
+                  <a:srgbClr val="333333"/>
+                </a:solidFill>
+                <a:effectLst/>
+                <a:latin typeface="Roboto" panose="02000000000000000000" pitchFamily="2" charset="0"/>
+              </a:rPr>
+              <a:t>PopcornAPP</a:t>
+            </a:r>
+            <a:endParaRPr lang="en-US" altLang="ko-KR" sz="1200" b="1" i="0" dirty="0">
+              <a:solidFill>
+                <a:srgbClr val="333333"/>
+              </a:solidFill>
+              <a:effectLst/>
+              <a:latin typeface="Roboto" panose="02000000000000000000" pitchFamily="2" charset="0"/>
+            </a:endParaRPr>
+          </a:p>
+        </p:txBody>
+      </p:sp>
+      <p:sp>
+        <p:nvSpPr>
+          <p:cNvPr id="34" name="TextBox 33">
+            <a:extLst>
+              <a:ext uri="{FF2B5EF4-FFF2-40B4-BE49-F238E27FC236}">
+                <a16:creationId xmlns:a16="http://schemas.microsoft.com/office/drawing/2014/main" id="{8671F7DF-C90B-98C4-42E0-A45DB965C85E}"/>
+              </a:ext>
+            </a:extLst>
+          </p:cNvPr>
+          <p:cNvSpPr txBox="1"/>
+          <p:nvPr/>
+        </p:nvSpPr>
+        <p:spPr>
+          <a:xfrm>
+            <a:off x="1868078" y="4332484"/>
+            <a:ext cx="1006311" cy="246221"/>
+          </a:xfrm>
+          <a:prstGeom prst="rect">
+            <a:avLst/>
+          </a:prstGeom>
+          <a:noFill/>
+        </p:spPr>
+        <p:txBody>
+          <a:bodyPr wrap="square">
+            <a:spAutoFit/>
+          </a:bodyPr>
+          <a:lstStyle/>
+          <a:p>
+            <a:r>
+              <a:rPr lang="ko-KR" altLang="en-US" sz="1000" b="1" i="0" dirty="0">
+                <a:solidFill>
+                  <a:srgbClr val="007BFF"/>
+                </a:solidFill>
+                <a:effectLst/>
+                <a:latin typeface="Roboto" panose="02000000000000000000" pitchFamily="2" charset="0"/>
+              </a:rPr>
+              <a:t>프로젝트 이름</a:t>
+            </a:r>
+            <a:r>
+              <a:rPr lang="en-US" altLang="ko-KR" sz="1000" b="1" i="0" dirty="0">
+                <a:solidFill>
+                  <a:srgbClr val="007BFF"/>
+                </a:solidFill>
+                <a:effectLst/>
+                <a:latin typeface="Roboto" panose="02000000000000000000" pitchFamily="2" charset="0"/>
+              </a:rPr>
+              <a:t>:</a:t>
+            </a:r>
+            <a:endParaRPr lang="ko-KR" altLang="en-US" sz="1000" dirty="0"/>
+          </a:p>
+        </p:txBody>
+      </p:sp>
+      <p:sp>
+        <p:nvSpPr>
+          <p:cNvPr id="35" name="TextBox 34">
+            <a:extLst>
+              <a:ext uri="{FF2B5EF4-FFF2-40B4-BE49-F238E27FC236}">
+                <a16:creationId xmlns:a16="http://schemas.microsoft.com/office/drawing/2014/main" id="{282B9502-685A-B907-9E85-A43BD24257A7}"/>
+              </a:ext>
+            </a:extLst>
+          </p:cNvPr>
+          <p:cNvSpPr txBox="1"/>
+          <p:nvPr/>
+        </p:nvSpPr>
+        <p:spPr>
+          <a:xfrm>
+            <a:off x="1858648" y="4764559"/>
+            <a:ext cx="1006311" cy="246221"/>
+          </a:xfrm>
+          <a:prstGeom prst="rect">
+            <a:avLst/>
+          </a:prstGeom>
+          <a:noFill/>
+        </p:spPr>
+        <p:txBody>
+          <a:bodyPr wrap="square">
+            <a:spAutoFit/>
+          </a:bodyPr>
+          <a:lstStyle/>
+          <a:p>
+            <a:r>
+              <a:rPr lang="ko-KR" altLang="en-US" sz="1000" b="1" i="0" dirty="0">
+                <a:solidFill>
+                  <a:srgbClr val="007BFF"/>
+                </a:solidFill>
+                <a:effectLst/>
+                <a:latin typeface="Roboto" panose="02000000000000000000" pitchFamily="2" charset="0"/>
+              </a:rPr>
+              <a:t>프로젝트 </a:t>
+            </a:r>
+            <a:r>
+              <a:rPr lang="ko-KR" altLang="en-US" sz="1000" b="1" dirty="0">
+                <a:solidFill>
+                  <a:srgbClr val="007BFF"/>
+                </a:solidFill>
+                <a:latin typeface="Roboto" panose="02000000000000000000" pitchFamily="2" charset="0"/>
+              </a:rPr>
+              <a:t>기술</a:t>
+            </a:r>
+            <a:r>
+              <a:rPr lang="en-US" altLang="ko-KR" sz="1000" b="1" i="0" dirty="0">
+                <a:solidFill>
+                  <a:srgbClr val="007BFF"/>
+                </a:solidFill>
+                <a:effectLst/>
+                <a:latin typeface="Roboto" panose="02000000000000000000" pitchFamily="2" charset="0"/>
+              </a:rPr>
+              <a:t>:</a:t>
+            </a:r>
+            <a:endParaRPr lang="ko-KR" altLang="en-US" sz="1000" dirty="0"/>
+          </a:p>
+        </p:txBody>
+      </p:sp>
+      <p:sp>
+        <p:nvSpPr>
+          <p:cNvPr id="36" name="TextBox 35">
+            <a:extLst>
+              <a:ext uri="{FF2B5EF4-FFF2-40B4-BE49-F238E27FC236}">
+                <a16:creationId xmlns:a16="http://schemas.microsoft.com/office/drawing/2014/main" id="{EA95CA1B-99BA-6E63-F1F3-6CC5DC0B3F33}"/>
+              </a:ext>
+            </a:extLst>
+          </p:cNvPr>
+          <p:cNvSpPr txBox="1"/>
+          <p:nvPr/>
+        </p:nvSpPr>
+        <p:spPr>
+          <a:xfrm>
+            <a:off x="1839798" y="5203224"/>
+            <a:ext cx="1006311" cy="246221"/>
+          </a:xfrm>
+          <a:prstGeom prst="rect">
+            <a:avLst/>
+          </a:prstGeom>
+          <a:noFill/>
+        </p:spPr>
+        <p:txBody>
+          <a:bodyPr wrap="square">
+            <a:spAutoFit/>
+          </a:bodyPr>
+          <a:lstStyle/>
+          <a:p>
+            <a:r>
+              <a:rPr lang="ko-KR" altLang="en-US" sz="1000" b="1" i="0" dirty="0">
+                <a:solidFill>
+                  <a:srgbClr val="007BFF"/>
+                </a:solidFill>
+                <a:effectLst/>
+                <a:latin typeface="Roboto" panose="02000000000000000000" pitchFamily="2" charset="0"/>
+              </a:rPr>
+              <a:t>프로젝트 내용</a:t>
+            </a:r>
+            <a:r>
+              <a:rPr lang="en-US" altLang="ko-KR" sz="1000" b="1" i="0" dirty="0">
+                <a:solidFill>
+                  <a:srgbClr val="007BFF"/>
+                </a:solidFill>
+                <a:effectLst/>
+                <a:latin typeface="Roboto" panose="02000000000000000000" pitchFamily="2" charset="0"/>
+              </a:rPr>
+              <a:t>:</a:t>
+            </a:r>
+            <a:endParaRPr lang="ko-KR" altLang="en-US" sz="1000" dirty="0"/>
+          </a:p>
+        </p:txBody>
+      </p:sp>
+      <p:sp>
+        <p:nvSpPr>
+          <p:cNvPr id="38" name="TextBox 37">
+            <a:extLst>
+              <a:ext uri="{FF2B5EF4-FFF2-40B4-BE49-F238E27FC236}">
+                <a16:creationId xmlns:a16="http://schemas.microsoft.com/office/drawing/2014/main" id="{7A40F6CD-1A39-41B9-6A5A-07E49B827C18}"/>
+              </a:ext>
+            </a:extLst>
+          </p:cNvPr>
+          <p:cNvSpPr txBox="1"/>
+          <p:nvPr/>
+        </p:nvSpPr>
+        <p:spPr>
+          <a:xfrm>
+            <a:off x="3658781" y="4318808"/>
+            <a:ext cx="940324" cy="246221"/>
+          </a:xfrm>
+          <a:prstGeom prst="rect">
+            <a:avLst/>
+          </a:prstGeom>
+          <a:noFill/>
+        </p:spPr>
+        <p:txBody>
+          <a:bodyPr wrap="square">
+            <a:spAutoFit/>
+          </a:bodyPr>
+          <a:lstStyle/>
+          <a:p>
+            <a:r>
+              <a:rPr lang="en-US" altLang="ko-KR" sz="1000" b="0" i="0" dirty="0" err="1">
+                <a:solidFill>
+                  <a:srgbClr val="333333"/>
+                </a:solidFill>
+                <a:effectLst/>
+                <a:latin typeface="Roboto" panose="02000000000000000000" pitchFamily="2" charset="0"/>
+              </a:rPr>
+              <a:t>PopcornAPP</a:t>
+            </a:r>
+            <a:endParaRPr lang="ko-KR" altLang="en-US" sz="1000" dirty="0"/>
+          </a:p>
+        </p:txBody>
+      </p:sp>
+      <p:sp>
+        <p:nvSpPr>
+          <p:cNvPr id="41" name="TextBox 40">
+            <a:extLst>
+              <a:ext uri="{FF2B5EF4-FFF2-40B4-BE49-F238E27FC236}">
+                <a16:creationId xmlns:a16="http://schemas.microsoft.com/office/drawing/2014/main" id="{2A20DDEC-1A7C-7CC8-E1EE-A70078C8418A}"/>
+              </a:ext>
+            </a:extLst>
+          </p:cNvPr>
+          <p:cNvSpPr txBox="1"/>
+          <p:nvPr/>
+        </p:nvSpPr>
+        <p:spPr>
+          <a:xfrm>
+            <a:off x="3085464" y="4679168"/>
+            <a:ext cx="2404522" cy="400110"/>
+          </a:xfrm>
+          <a:prstGeom prst="rect">
+            <a:avLst/>
+          </a:prstGeom>
+          <a:noFill/>
+        </p:spPr>
+        <p:txBody>
+          <a:bodyPr wrap="square">
+            <a:spAutoFit/>
+          </a:bodyPr>
+          <a:lstStyle/>
+          <a:p>
+            <a:pPr algn="ctr"/>
+            <a:r>
+              <a:rPr lang="en-US" altLang="ko-KR" sz="1000" b="0" i="0" dirty="0">
+                <a:solidFill>
+                  <a:srgbClr val="333333"/>
+                </a:solidFill>
+                <a:effectLst/>
+                <a:latin typeface="Roboto" panose="02000000000000000000" pitchFamily="2" charset="0"/>
+              </a:rPr>
+              <a:t>Python, Flask, Blueprint, session, API, MySQL, HTML, CSS, JavaScript</a:t>
+            </a:r>
+            <a:endParaRPr lang="ko-KR" altLang="en-US" sz="1000" dirty="0"/>
+          </a:p>
+        </p:txBody>
+      </p:sp>
+      <p:sp>
+        <p:nvSpPr>
+          <p:cNvPr id="64" name="사각형: 둥근 모서리 63">
+            <a:extLst>
+              <a:ext uri="{FF2B5EF4-FFF2-40B4-BE49-F238E27FC236}">
+                <a16:creationId xmlns:a16="http://schemas.microsoft.com/office/drawing/2014/main" id="{CE931210-8CEC-E1BD-D0F0-423879145D94}"/>
               </a:ext>
             </a:extLst>
           </p:cNvPr>
@@ -4270,8 +5018,306 @@
         </p:nvSpPr>
         <p:spPr>
           <a:xfrm>
-            <a:off x="6121139" y="2579318"/>
-            <a:ext cx="3411915" cy="3591612"/>
+            <a:off x="1982319" y="5670573"/>
+            <a:ext cx="975523" cy="348040"/>
+          </a:xfrm>
+          <a:prstGeom prst="roundRect">
+            <a:avLst/>
+          </a:prstGeom>
+          <a:solidFill>
+            <a:srgbClr val="8BA9D6"/>
+          </a:solidFill>
+          <a:ln>
+            <a:noFill/>
+          </a:ln>
+        </p:spPr>
+        <p:style>
+          <a:lnRef idx="2">
+            <a:schemeClr val="accent1">
+              <a:shade val="15000"/>
+            </a:schemeClr>
+          </a:lnRef>
+          <a:fillRef idx="1">
+            <a:schemeClr val="accent1"/>
+          </a:fillRef>
+          <a:effectRef idx="0">
+            <a:schemeClr val="accent1"/>
+          </a:effectRef>
+          <a:fontRef idx="minor">
+            <a:schemeClr val="lt1"/>
+          </a:fontRef>
+        </p:style>
+        <p:txBody>
+          <a:bodyPr rtlCol="0" anchor="ctr"/>
+          <a:lstStyle/>
+          <a:p>
+            <a:pPr algn="ctr"/>
+            <a:r>
+              <a:rPr lang="ko-KR" altLang="en-US" sz="1000" dirty="0">
+                <a:solidFill>
+                  <a:schemeClr val="bg1"/>
+                </a:solidFill>
+              </a:rPr>
+              <a:t>📂 </a:t>
+            </a:r>
+            <a:r>
+              <a:rPr lang="en-US" altLang="ko-KR" sz="1000" dirty="0">
+                <a:solidFill>
+                  <a:schemeClr val="bg1"/>
+                </a:solidFill>
+              </a:rPr>
+              <a:t>PDF </a:t>
+            </a:r>
+            <a:r>
+              <a:rPr lang="ko-KR" altLang="en-US" sz="1000" dirty="0">
+                <a:solidFill>
+                  <a:schemeClr val="bg1"/>
+                </a:solidFill>
+              </a:rPr>
+              <a:t>보기</a:t>
+            </a:r>
+          </a:p>
+        </p:txBody>
+      </p:sp>
+      <p:sp>
+        <p:nvSpPr>
+          <p:cNvPr id="69" name="사각형: 둥근 모서리 68">
+            <a:extLst>
+              <a:ext uri="{FF2B5EF4-FFF2-40B4-BE49-F238E27FC236}">
+                <a16:creationId xmlns:a16="http://schemas.microsoft.com/office/drawing/2014/main" id="{6147A0E0-1FF2-254F-FEB2-62A596292E24}"/>
+              </a:ext>
+            </a:extLst>
+          </p:cNvPr>
+          <p:cNvSpPr/>
+          <p:nvPr/>
+        </p:nvSpPr>
+        <p:spPr>
+          <a:xfrm>
+            <a:off x="3115115" y="5662717"/>
+            <a:ext cx="1042106" cy="348040"/>
+          </a:xfrm>
+          <a:prstGeom prst="roundRect">
+            <a:avLst/>
+          </a:prstGeom>
+          <a:solidFill>
+            <a:srgbClr val="8BA9D6"/>
+          </a:solidFill>
+          <a:ln>
+            <a:noFill/>
+          </a:ln>
+        </p:spPr>
+        <p:style>
+          <a:lnRef idx="2">
+            <a:schemeClr val="accent1">
+              <a:shade val="15000"/>
+            </a:schemeClr>
+          </a:lnRef>
+          <a:fillRef idx="1">
+            <a:schemeClr val="accent1"/>
+          </a:fillRef>
+          <a:effectRef idx="0">
+            <a:schemeClr val="accent1"/>
+          </a:effectRef>
+          <a:fontRef idx="minor">
+            <a:schemeClr val="lt1"/>
+          </a:fontRef>
+        </p:style>
+        <p:txBody>
+          <a:bodyPr rtlCol="0" anchor="ctr"/>
+          <a:lstStyle/>
+          <a:p>
+            <a:pPr algn="ctr"/>
+            <a:r>
+              <a:rPr lang="ko-KR" altLang="en-US" sz="1000" dirty="0">
+                <a:solidFill>
+                  <a:schemeClr val="bg1"/>
+                </a:solidFill>
+              </a:rPr>
+              <a:t>📊 </a:t>
+            </a:r>
+            <a:r>
+              <a:rPr lang="en-US" altLang="ko-KR" sz="1000" dirty="0">
+                <a:solidFill>
+                  <a:schemeClr val="bg1"/>
+                </a:solidFill>
+              </a:rPr>
+              <a:t>WBS </a:t>
+            </a:r>
+            <a:r>
+              <a:rPr lang="ko-KR" altLang="en-US" sz="1000" dirty="0">
+                <a:solidFill>
+                  <a:schemeClr val="bg1"/>
+                </a:solidFill>
+              </a:rPr>
+              <a:t>보기</a:t>
+            </a:r>
+          </a:p>
+        </p:txBody>
+      </p:sp>
+      <p:sp>
+        <p:nvSpPr>
+          <p:cNvPr id="70" name="사각형: 둥근 모서리 69">
+            <a:hlinkClick r:id="rId12"/>
+            <a:extLst>
+              <a:ext uri="{FF2B5EF4-FFF2-40B4-BE49-F238E27FC236}">
+                <a16:creationId xmlns:a16="http://schemas.microsoft.com/office/drawing/2014/main" id="{1E8B3B60-E61B-E886-F877-2A97C536BED2}"/>
+              </a:ext>
+            </a:extLst>
+          </p:cNvPr>
+          <p:cNvSpPr/>
+          <p:nvPr/>
+        </p:nvSpPr>
+        <p:spPr>
+          <a:xfrm>
+            <a:off x="4279887" y="5664285"/>
+            <a:ext cx="1260949" cy="348040"/>
+          </a:xfrm>
+          <a:prstGeom prst="roundRect">
+            <a:avLst/>
+          </a:prstGeom>
+          <a:solidFill>
+            <a:srgbClr val="8BA9D6"/>
+          </a:solidFill>
+          <a:ln>
+            <a:noFill/>
+          </a:ln>
+        </p:spPr>
+        <p:style>
+          <a:lnRef idx="2">
+            <a:schemeClr val="accent1">
+              <a:shade val="15000"/>
+            </a:schemeClr>
+          </a:lnRef>
+          <a:fillRef idx="1">
+            <a:schemeClr val="accent1"/>
+          </a:fillRef>
+          <a:effectRef idx="0">
+            <a:schemeClr val="accent1"/>
+          </a:effectRef>
+          <a:fontRef idx="minor">
+            <a:schemeClr val="lt1"/>
+          </a:fontRef>
+        </p:style>
+        <p:txBody>
+          <a:bodyPr rtlCol="0" anchor="ctr"/>
+          <a:lstStyle/>
+          <a:p>
+            <a:pPr algn="ctr"/>
+            <a:r>
+              <a:rPr lang="ko-KR" altLang="en-US" sz="1000" dirty="0">
+                <a:solidFill>
+                  <a:schemeClr val="bg1"/>
+                </a:solidFill>
+              </a:rPr>
+              <a:t>🔗프로젝트 이동</a:t>
+            </a:r>
+          </a:p>
+        </p:txBody>
+      </p:sp>
+      <p:graphicFrame>
+        <p:nvGraphicFramePr>
+          <p:cNvPr id="71" name="표 70">
+            <a:extLst>
+              <a:ext uri="{FF2B5EF4-FFF2-40B4-BE49-F238E27FC236}">
+                <a16:creationId xmlns:a16="http://schemas.microsoft.com/office/drawing/2014/main" id="{34C37DEE-4141-449D-0FF0-316CB7DAEEA0}"/>
+              </a:ext>
+            </a:extLst>
+          </p:cNvPr>
+          <p:cNvGraphicFramePr>
+            <a:graphicFrameLocks noGrp="1"/>
+          </p:cNvGraphicFramePr>
+          <p:nvPr>
+            <p:extLst>
+              <p:ext uri="{D42A27DB-BD31-4B8C-83A1-F6EECF244321}">
+                <p14:modId xmlns:p14="http://schemas.microsoft.com/office/powerpoint/2010/main" val="3634683672"/>
+              </p:ext>
+            </p:extLst>
+          </p:nvPr>
+        </p:nvGraphicFramePr>
+        <p:xfrm>
+          <a:off x="2929377" y="5040911"/>
+          <a:ext cx="2896365" cy="457200"/>
+        </p:xfrm>
+        <a:graphic>
+          <a:graphicData uri="http://schemas.openxmlformats.org/drawingml/2006/table">
+            <a:tbl>
+              <a:tblPr/>
+              <a:tblGrid>
+                <a:gridCol w="2896365">
+                  <a:extLst>
+                    <a:ext uri="{9D8B030D-6E8A-4147-A177-3AD203B41FA5}">
+                      <a16:colId xmlns:a16="http://schemas.microsoft.com/office/drawing/2014/main" val="401158546"/>
+                    </a:ext>
+                  </a:extLst>
+                </a:gridCol>
+              </a:tblGrid>
+              <a:tr h="0">
+                <a:tc>
+                  <a:txBody>
+                    <a:bodyPr/>
+                    <a:lstStyle/>
+                    <a:p>
+                      <a:br>
+                        <a:rPr lang="ko-KR" altLang="en-US" sz="1000" b="1" dirty="0">
+                          <a:effectLst/>
+                        </a:rPr>
+                      </a:br>
+                      <a:r>
+                        <a:rPr lang="ko-KR" altLang="en-US" sz="1000" b="1" dirty="0">
+                          <a:effectLst/>
+                        </a:rPr>
+                        <a:t>영화 정보 및 영화 추첨 시스템 제공하는 사이트</a:t>
+                      </a:r>
+                    </a:p>
+                  </a:txBody>
+                  <a:tcPr marL="76200" marR="76200" marT="76200" marB="76200" anchor="ctr">
+                    <a:lnL>
+                      <a:noFill/>
+                    </a:lnL>
+                    <a:lnR>
+                      <a:noFill/>
+                    </a:lnR>
+                    <a:lnT>
+                      <a:noFill/>
+                    </a:lnT>
+                    <a:lnB w="9525" cap="flat" cmpd="sng" algn="ctr">
+                      <a:solidFill>
+                        <a:srgbClr val="DDDDDD"/>
+                      </a:solidFill>
+                      <a:prstDash val="solid"/>
+                      <a:round/>
+                      <a:headEnd type="none" w="med" len="med"/>
+                      <a:tailEnd type="none" w="med" len="med"/>
+                    </a:lnB>
+                    <a:noFill/>
+                  </a:tcPr>
+                </a:tc>
+                <a:extLst>
+                  <a:ext uri="{0D108BD9-81ED-4DB2-BD59-A6C34878D82A}">
+                    <a16:rowId xmlns:a16="http://schemas.microsoft.com/office/drawing/2014/main" val="271890196"/>
+                  </a:ext>
+                </a:extLst>
+              </a:tr>
+            </a:tbl>
+          </a:graphicData>
+        </a:graphic>
+      </p:graphicFrame>
+      <p:sp>
+        <p:nvSpPr>
+          <p:cNvPr id="72" name="사각형: 둥근 모서리 71">
+            <a:extLst>
+              <a:ext uri="{FF2B5EF4-FFF2-40B4-BE49-F238E27FC236}">
+                <a16:creationId xmlns:a16="http://schemas.microsoft.com/office/drawing/2014/main" id="{F3805020-507D-15BB-73FF-608CCC01391C}"/>
+              </a:ext>
+            </a:extLst>
+          </p:cNvPr>
+          <p:cNvSpPr/>
+          <p:nvPr/>
+        </p:nvSpPr>
+        <p:spPr>
+          <a:xfrm>
+            <a:off x="6279187" y="2609032"/>
+            <a:ext cx="4541260" cy="3591612"/>
           </a:xfrm>
           <a:prstGeom prst="roundRect">
             <a:avLst/>
@@ -4311,16 +5357,145 @@
           <a:lstStyle/>
           <a:p>
             <a:pPr algn="ctr"/>
-            <a:endParaRPr lang="ko-KR" altLang="en-US"/>
-          </a:p>
-        </p:txBody>
-      </p:sp>
-      <p:sp>
-        <p:nvSpPr>
-          <p:cNvPr id="24" name="TextBox 23">
-            <a:extLst>
-              <a:ext uri="{FF2B5EF4-FFF2-40B4-BE49-F238E27FC236}">
-                <a16:creationId xmlns:a16="http://schemas.microsoft.com/office/drawing/2014/main" id="{91FA73DC-6017-11D8-9519-D882190348F3}"/>
+            <a:endParaRPr lang="ko-KR" altLang="en-US" dirty="0"/>
+          </a:p>
+        </p:txBody>
+      </p:sp>
+      <p:cxnSp>
+        <p:nvCxnSpPr>
+          <p:cNvPr id="73" name="직선 연결선 72">
+            <a:extLst>
+              <a:ext uri="{FF2B5EF4-FFF2-40B4-BE49-F238E27FC236}">
+                <a16:creationId xmlns:a16="http://schemas.microsoft.com/office/drawing/2014/main" id="{BF63653D-028B-14A2-959A-DD8831CB271C}"/>
+              </a:ext>
+            </a:extLst>
+          </p:cNvPr>
+          <p:cNvCxnSpPr/>
+          <p:nvPr/>
+        </p:nvCxnSpPr>
+        <p:spPr>
+          <a:xfrm>
+            <a:off x="6435386" y="5110899"/>
+            <a:ext cx="4207452" cy="0"/>
+          </a:xfrm>
+          <a:prstGeom prst="line">
+            <a:avLst/>
+          </a:prstGeom>
+          <a:ln w="12700">
+            <a:solidFill>
+              <a:schemeClr val="bg2">
+                <a:lumMod val="75000"/>
+              </a:schemeClr>
+            </a:solidFill>
+          </a:ln>
+        </p:spPr>
+        <p:style>
+          <a:lnRef idx="2">
+            <a:schemeClr val="accent1"/>
+          </a:lnRef>
+          <a:fillRef idx="0">
+            <a:schemeClr val="accent1"/>
+          </a:fillRef>
+          <a:effectRef idx="1">
+            <a:schemeClr val="accent1"/>
+          </a:effectRef>
+          <a:fontRef idx="minor">
+            <a:schemeClr val="tx1"/>
+          </a:fontRef>
+        </p:style>
+      </p:cxnSp>
+      <p:cxnSp>
+        <p:nvCxnSpPr>
+          <p:cNvPr id="74" name="직선 연결선 73">
+            <a:extLst>
+              <a:ext uri="{FF2B5EF4-FFF2-40B4-BE49-F238E27FC236}">
+                <a16:creationId xmlns:a16="http://schemas.microsoft.com/office/drawing/2014/main" id="{C67D2E55-6ED5-FD19-5691-07D77143A35B}"/>
+              </a:ext>
+            </a:extLst>
+          </p:cNvPr>
+          <p:cNvCxnSpPr/>
+          <p:nvPr/>
+        </p:nvCxnSpPr>
+        <p:spPr>
+          <a:xfrm>
+            <a:off x="6436954" y="5536677"/>
+            <a:ext cx="4207452" cy="0"/>
+          </a:xfrm>
+          <a:prstGeom prst="line">
+            <a:avLst/>
+          </a:prstGeom>
+          <a:ln w="12700">
+            <a:solidFill>
+              <a:schemeClr val="bg2">
+                <a:lumMod val="75000"/>
+              </a:schemeClr>
+            </a:solidFill>
+          </a:ln>
+        </p:spPr>
+        <p:style>
+          <a:lnRef idx="2">
+            <a:schemeClr val="accent1"/>
+          </a:lnRef>
+          <a:fillRef idx="0">
+            <a:schemeClr val="accent1"/>
+          </a:fillRef>
+          <a:effectRef idx="1">
+            <a:schemeClr val="accent1"/>
+          </a:effectRef>
+          <a:fontRef idx="minor">
+            <a:schemeClr val="tx1"/>
+          </a:fontRef>
+        </p:style>
+      </p:cxnSp>
+      <p:cxnSp>
+        <p:nvCxnSpPr>
+          <p:cNvPr id="75" name="직선 연결선 74">
+            <a:extLst>
+              <a:ext uri="{FF2B5EF4-FFF2-40B4-BE49-F238E27FC236}">
+                <a16:creationId xmlns:a16="http://schemas.microsoft.com/office/drawing/2014/main" id="{6FB5DD4C-0ADC-F72B-0240-B24232E1ED16}"/>
+              </a:ext>
+            </a:extLst>
+          </p:cNvPr>
+          <p:cNvCxnSpPr/>
+          <p:nvPr/>
+        </p:nvCxnSpPr>
+        <p:spPr>
+          <a:xfrm>
+            <a:off x="6446384" y="4631700"/>
+            <a:ext cx="4207452" cy="0"/>
+          </a:xfrm>
+          <a:prstGeom prst="line">
+            <a:avLst/>
+          </a:prstGeom>
+          <a:ln w="12700">
+            <a:solidFill>
+              <a:schemeClr val="bg2">
+                <a:lumMod val="75000"/>
+              </a:schemeClr>
+            </a:solidFill>
+          </a:ln>
+        </p:spPr>
+        <p:style>
+          <a:lnRef idx="2">
+            <a:schemeClr val="accent1"/>
+          </a:lnRef>
+          <a:fillRef idx="0">
+            <a:schemeClr val="accent1"/>
+          </a:fillRef>
+          <a:effectRef idx="1">
+            <a:schemeClr val="accent1"/>
+          </a:effectRef>
+          <a:fontRef idx="minor">
+            <a:schemeClr val="tx1"/>
+          </a:fontRef>
+        </p:style>
+      </p:cxnSp>
+      <p:sp>
+        <p:nvSpPr>
+          <p:cNvPr id="77" name="TextBox 76">
+            <a:extLst>
+              <a:ext uri="{FF2B5EF4-FFF2-40B4-BE49-F238E27FC236}">
+                <a16:creationId xmlns:a16="http://schemas.microsoft.com/office/drawing/2014/main" id="{77860A6E-8824-D1B9-22C9-0A6F984D61A5}"/>
               </a:ext>
             </a:extLst>
           </p:cNvPr>
@@ -4329,8 +5504,8 @@
         </p:nvSpPr>
         <p:spPr>
           <a:xfrm>
-            <a:off x="1679859" y="1406842"/>
-            <a:ext cx="8882560" cy="830997"/>
+            <a:off x="7242852" y="3938321"/>
+            <a:ext cx="2613930" cy="276999"/>
           </a:xfrm>
           <a:prstGeom prst="rect">
             <a:avLst/>
@@ -4338,248 +5513,621 @@
           <a:noFill/>
         </p:spPr>
         <p:txBody>
-          <a:bodyPr wrap="none" rtlCol="0">
+          <a:bodyPr wrap="square">
             <a:spAutoFit/>
           </a:bodyPr>
           <a:lstStyle/>
           <a:p>
             <a:pPr algn="ctr"/>
             <a:r>
-              <a:rPr lang="en-US" altLang="ko-KR" sz="1600" b="1" i="0" dirty="0">
+              <a:rPr lang="ko-KR" altLang="en-US" sz="1200" b="1" i="0" dirty="0">
                 <a:solidFill>
-                  <a:srgbClr val="555555"/>
+                  <a:srgbClr val="333333"/>
                 </a:solidFill>
                 <a:effectLst/>
-                <a:latin typeface="roboto" panose="02000000000000000000" pitchFamily="2" charset="0"/>
-                <a:ea typeface="roboto" panose="02000000000000000000" pitchFamily="2" charset="0"/>
-                <a:cs typeface="roboto" panose="02000000000000000000" pitchFamily="2" charset="0"/>
+                <a:latin typeface="Roboto" panose="02000000000000000000" pitchFamily="2" charset="0"/>
               </a:rPr>
-              <a:t>Flask </a:t>
-            </a:r>
-            <a:r>
-              <a:rPr lang="ko-KR" altLang="en-US" sz="1600" b="1" i="0" dirty="0">
+              <a:t>📌 </a:t>
+            </a:r>
+            <a:r>
+              <a:rPr lang="en-US" altLang="ko-KR" sz="1200" b="1" i="0" dirty="0" err="1">
                 <a:solidFill>
-                  <a:srgbClr val="555555"/>
+                  <a:srgbClr val="333333"/>
                 </a:solidFill>
                 <a:effectLst/>
-                <a:latin typeface="roboto" panose="02000000000000000000" pitchFamily="2" charset="0"/>
-                <a:cs typeface="roboto" panose="02000000000000000000" pitchFamily="2" charset="0"/>
+                <a:latin typeface="Roboto" panose="02000000000000000000" pitchFamily="2" charset="0"/>
               </a:rPr>
-              <a:t>기반 웹 개발과 </a:t>
-            </a:r>
-            <a:r>
-              <a:rPr lang="ko-KR" altLang="en-US" sz="1600" b="1" i="0" dirty="0" err="1">
+              <a:t>Total_Employment_Site</a:t>
+            </a:r>
+            <a:endParaRPr lang="en-US" altLang="ko-KR" sz="1200" b="1" i="0" dirty="0">
+              <a:solidFill>
+                <a:srgbClr val="333333"/>
+              </a:solidFill>
+              <a:effectLst/>
+              <a:latin typeface="Roboto" panose="02000000000000000000" pitchFamily="2" charset="0"/>
+            </a:endParaRPr>
+          </a:p>
+        </p:txBody>
+      </p:sp>
+      <p:sp>
+        <p:nvSpPr>
+          <p:cNvPr id="78" name="TextBox 77">
+            <a:extLst>
+              <a:ext uri="{FF2B5EF4-FFF2-40B4-BE49-F238E27FC236}">
+                <a16:creationId xmlns:a16="http://schemas.microsoft.com/office/drawing/2014/main" id="{FF654F76-45E3-4DC4-EC2B-C0483C4C4CAA}"/>
+              </a:ext>
+            </a:extLst>
+          </p:cNvPr>
+          <p:cNvSpPr txBox="1"/>
+          <p:nvPr/>
+        </p:nvSpPr>
+        <p:spPr>
+          <a:xfrm>
+            <a:off x="6696171" y="4343479"/>
+            <a:ext cx="1006311" cy="246221"/>
+          </a:xfrm>
+          <a:prstGeom prst="rect">
+            <a:avLst/>
+          </a:prstGeom>
+          <a:noFill/>
+        </p:spPr>
+        <p:txBody>
+          <a:bodyPr wrap="square">
+            <a:spAutoFit/>
+          </a:bodyPr>
+          <a:lstStyle/>
+          <a:p>
+            <a:r>
+              <a:rPr lang="ko-KR" altLang="en-US" sz="1000" b="1" i="0" dirty="0">
                 <a:solidFill>
-                  <a:srgbClr val="555555"/>
+                  <a:srgbClr val="007BFF"/>
                 </a:solidFill>
                 <a:effectLst/>
-                <a:latin typeface="roboto" panose="02000000000000000000" pitchFamily="2" charset="0"/>
-                <a:cs typeface="roboto" panose="02000000000000000000" pitchFamily="2" charset="0"/>
+                <a:latin typeface="Roboto" panose="02000000000000000000" pitchFamily="2" charset="0"/>
               </a:rPr>
-              <a:t>머신러닝</a:t>
-            </a:r>
-            <a:r>
-              <a:rPr lang="en-US" altLang="ko-KR" sz="1600" b="1" i="0" dirty="0">
+              <a:t>프로젝트 이름</a:t>
+            </a:r>
+            <a:r>
+              <a:rPr lang="en-US" altLang="ko-KR" sz="1000" b="1" i="0" dirty="0">
                 <a:solidFill>
-                  <a:srgbClr val="555555"/>
+                  <a:srgbClr val="007BFF"/>
                 </a:solidFill>
                 <a:effectLst/>
-                <a:latin typeface="roboto" panose="02000000000000000000" pitchFamily="2" charset="0"/>
-                <a:ea typeface="roboto" panose="02000000000000000000" pitchFamily="2" charset="0"/>
-                <a:cs typeface="roboto" panose="02000000000000000000" pitchFamily="2" charset="0"/>
+                <a:latin typeface="Roboto" panose="02000000000000000000" pitchFamily="2" charset="0"/>
               </a:rPr>
-              <a:t>·</a:t>
-            </a:r>
-            <a:r>
-              <a:rPr lang="ko-KR" altLang="en-US" sz="1600" b="1" i="0" dirty="0" err="1">
+              <a:t>:</a:t>
+            </a:r>
+            <a:endParaRPr lang="ko-KR" altLang="en-US" sz="1000" dirty="0"/>
+          </a:p>
+        </p:txBody>
+      </p:sp>
+      <p:sp>
+        <p:nvSpPr>
+          <p:cNvPr id="79" name="TextBox 78">
+            <a:extLst>
+              <a:ext uri="{FF2B5EF4-FFF2-40B4-BE49-F238E27FC236}">
+                <a16:creationId xmlns:a16="http://schemas.microsoft.com/office/drawing/2014/main" id="{31F162CF-5D4F-CEC1-9A2B-F29834DA1BD4}"/>
+              </a:ext>
+            </a:extLst>
+          </p:cNvPr>
+          <p:cNvSpPr txBox="1"/>
+          <p:nvPr/>
+        </p:nvSpPr>
+        <p:spPr>
+          <a:xfrm>
+            <a:off x="6686741" y="4775554"/>
+            <a:ext cx="1006311" cy="246221"/>
+          </a:xfrm>
+          <a:prstGeom prst="rect">
+            <a:avLst/>
+          </a:prstGeom>
+          <a:noFill/>
+        </p:spPr>
+        <p:txBody>
+          <a:bodyPr wrap="square">
+            <a:spAutoFit/>
+          </a:bodyPr>
+          <a:lstStyle/>
+          <a:p>
+            <a:r>
+              <a:rPr lang="ko-KR" altLang="en-US" sz="1000" b="1" i="0" dirty="0">
                 <a:solidFill>
-                  <a:srgbClr val="555555"/>
+                  <a:srgbClr val="007BFF"/>
                 </a:solidFill>
                 <a:effectLst/>
-                <a:latin typeface="roboto" panose="02000000000000000000" pitchFamily="2" charset="0"/>
-                <a:cs typeface="roboto" panose="02000000000000000000" pitchFamily="2" charset="0"/>
+                <a:latin typeface="Roboto" panose="02000000000000000000" pitchFamily="2" charset="0"/>
               </a:rPr>
-              <a:t>딥러닝을</a:t>
-            </a:r>
-            <a:r>
-              <a:rPr lang="ko-KR" altLang="en-US" sz="1600" b="1" i="0" dirty="0">
+              <a:t>프로젝트 </a:t>
+            </a:r>
+            <a:r>
+              <a:rPr lang="ko-KR" altLang="en-US" sz="1000" b="1" dirty="0">
                 <a:solidFill>
-                  <a:srgbClr val="555555"/>
+                  <a:srgbClr val="007BFF"/>
+                </a:solidFill>
+                <a:latin typeface="Roboto" panose="02000000000000000000" pitchFamily="2" charset="0"/>
+              </a:rPr>
+              <a:t>기술</a:t>
+            </a:r>
+            <a:r>
+              <a:rPr lang="en-US" altLang="ko-KR" sz="1000" b="1" i="0" dirty="0">
+                <a:solidFill>
+                  <a:srgbClr val="007BFF"/>
                 </a:solidFill>
                 <a:effectLst/>
-                <a:latin typeface="roboto" panose="02000000000000000000" pitchFamily="2" charset="0"/>
-                <a:cs typeface="roboto" panose="02000000000000000000" pitchFamily="2" charset="0"/>
+                <a:latin typeface="Roboto" panose="02000000000000000000" pitchFamily="2" charset="0"/>
               </a:rPr>
-              <a:t> 활용한 데이터 솔루션을 구축하는 개발자 </a:t>
-            </a:r>
-            <a:r>
-              <a:rPr lang="ko-KR" altLang="en-US" sz="1600" b="1" i="0" u="sng" dirty="0" err="1">
+              <a:t>:</a:t>
+            </a:r>
+            <a:endParaRPr lang="ko-KR" altLang="en-US" sz="1000" dirty="0"/>
+          </a:p>
+        </p:txBody>
+      </p:sp>
+      <p:sp>
+        <p:nvSpPr>
+          <p:cNvPr id="80" name="TextBox 79">
+            <a:extLst>
+              <a:ext uri="{FF2B5EF4-FFF2-40B4-BE49-F238E27FC236}">
+                <a16:creationId xmlns:a16="http://schemas.microsoft.com/office/drawing/2014/main" id="{B3BDBE63-65B4-8C8A-E040-CCB7E582E142}"/>
+              </a:ext>
+            </a:extLst>
+          </p:cNvPr>
+          <p:cNvSpPr txBox="1"/>
+          <p:nvPr/>
+        </p:nvSpPr>
+        <p:spPr>
+          <a:xfrm>
+            <a:off x="6667891" y="5214219"/>
+            <a:ext cx="1006311" cy="246221"/>
+          </a:xfrm>
+          <a:prstGeom prst="rect">
+            <a:avLst/>
+          </a:prstGeom>
+          <a:noFill/>
+        </p:spPr>
+        <p:txBody>
+          <a:bodyPr wrap="square">
+            <a:spAutoFit/>
+          </a:bodyPr>
+          <a:lstStyle/>
+          <a:p>
+            <a:r>
+              <a:rPr lang="ko-KR" altLang="en-US" sz="1000" b="1" i="0" dirty="0">
                 <a:solidFill>
-                  <a:srgbClr val="001F3F"/>
+                  <a:srgbClr val="007BFF"/>
                 </a:solidFill>
                 <a:effectLst/>
-                <a:latin typeface="roboto" panose="02000000000000000000" pitchFamily="2" charset="0"/>
-                <a:cs typeface="roboto" panose="02000000000000000000" pitchFamily="2" charset="0"/>
+                <a:latin typeface="Roboto" panose="02000000000000000000" pitchFamily="2" charset="0"/>
               </a:rPr>
-              <a:t>신준혁</a:t>
-            </a:r>
-            <a:r>
-              <a:rPr lang="ko-KR" altLang="en-US" sz="1600" b="1" i="0" dirty="0" err="1">
+              <a:t>프로젝트 내용</a:t>
+            </a:r>
+            <a:r>
+              <a:rPr lang="en-US" altLang="ko-KR" sz="1000" b="1" i="0" dirty="0">
                 <a:solidFill>
-                  <a:srgbClr val="555555"/>
+                  <a:srgbClr val="007BFF"/>
                 </a:solidFill>
                 <a:effectLst/>
-                <a:latin typeface="roboto" panose="02000000000000000000" pitchFamily="2" charset="0"/>
-                <a:cs typeface="roboto" panose="02000000000000000000" pitchFamily="2" charset="0"/>
+                <a:latin typeface="Roboto" panose="02000000000000000000" pitchFamily="2" charset="0"/>
               </a:rPr>
-              <a:t>입니다</a:t>
-            </a:r>
-            <a:r>
-              <a:rPr lang="en-US" altLang="ko-KR" sz="1600" b="1" i="0" dirty="0">
+              <a:t>:</a:t>
+            </a:r>
+            <a:endParaRPr lang="ko-KR" altLang="en-US" sz="1000" dirty="0"/>
+          </a:p>
+        </p:txBody>
+      </p:sp>
+      <p:sp>
+        <p:nvSpPr>
+          <p:cNvPr id="81" name="TextBox 80">
+            <a:extLst>
+              <a:ext uri="{FF2B5EF4-FFF2-40B4-BE49-F238E27FC236}">
+                <a16:creationId xmlns:a16="http://schemas.microsoft.com/office/drawing/2014/main" id="{1498C110-E9AD-0863-E0CF-78A3B1DE6FAD}"/>
+              </a:ext>
+            </a:extLst>
+          </p:cNvPr>
+          <p:cNvSpPr txBox="1"/>
+          <p:nvPr/>
+        </p:nvSpPr>
+        <p:spPr>
+          <a:xfrm>
+            <a:off x="8539161" y="4348754"/>
+            <a:ext cx="1538095" cy="246221"/>
+          </a:xfrm>
+          <a:prstGeom prst="rect">
+            <a:avLst/>
+          </a:prstGeom>
+          <a:noFill/>
+        </p:spPr>
+        <p:txBody>
+          <a:bodyPr wrap="square">
+            <a:spAutoFit/>
+          </a:bodyPr>
+          <a:lstStyle/>
+          <a:p>
+            <a:r>
+              <a:rPr lang="en-US" altLang="ko-KR" sz="1000" b="0" i="0" dirty="0">
                 <a:solidFill>
-                  <a:srgbClr val="555555"/>
+                  <a:srgbClr val="333333"/>
                 </a:solidFill>
                 <a:effectLst/>
-                <a:latin typeface="roboto" panose="02000000000000000000" pitchFamily="2" charset="0"/>
-                <a:ea typeface="roboto" panose="02000000000000000000" pitchFamily="2" charset="0"/>
-                <a:cs typeface="roboto" panose="02000000000000000000" pitchFamily="2" charset="0"/>
+                <a:latin typeface="Roboto" panose="02000000000000000000" pitchFamily="2" charset="0"/>
               </a:rPr>
-              <a:t>.</a:t>
-            </a:r>
-            <a:br>
-              <a:rPr lang="ko-KR" altLang="en-US" sz="1600" b="1" dirty="0">
-                <a:latin typeface="roboto" panose="02000000000000000000" pitchFamily="2" charset="0"/>
-                <a:cs typeface="roboto" panose="02000000000000000000" pitchFamily="2" charset="0"/>
-              </a:rPr>
-            </a:br>
-            <a:r>
-              <a:rPr lang="en-US" altLang="ko-KR" sz="1600" b="1" i="0" dirty="0">
+              <a:t>Total Employment Site</a:t>
+            </a:r>
+            <a:endParaRPr lang="ko-KR" altLang="en-US" sz="1000" dirty="0"/>
+          </a:p>
+        </p:txBody>
+      </p:sp>
+      <p:sp>
+        <p:nvSpPr>
+          <p:cNvPr id="82" name="TextBox 81">
+            <a:extLst>
+              <a:ext uri="{FF2B5EF4-FFF2-40B4-BE49-F238E27FC236}">
+                <a16:creationId xmlns:a16="http://schemas.microsoft.com/office/drawing/2014/main" id="{B3CD3E7F-BB7E-8E8C-2068-143AFC5F547F}"/>
+              </a:ext>
+            </a:extLst>
+          </p:cNvPr>
+          <p:cNvSpPr txBox="1"/>
+          <p:nvPr/>
+        </p:nvSpPr>
+        <p:spPr>
+          <a:xfrm>
+            <a:off x="7913557" y="4690163"/>
+            <a:ext cx="2404522" cy="400110"/>
+          </a:xfrm>
+          <a:prstGeom prst="rect">
+            <a:avLst/>
+          </a:prstGeom>
+          <a:noFill/>
+        </p:spPr>
+        <p:txBody>
+          <a:bodyPr wrap="square">
+            <a:spAutoFit/>
+          </a:bodyPr>
+          <a:lstStyle/>
+          <a:p>
+            <a:pPr algn="ctr"/>
+            <a:r>
+              <a:rPr lang="en-US" altLang="ko-KR" sz="1000" b="0" i="0" dirty="0">
                 <a:solidFill>
-                  <a:srgbClr val="555555"/>
+                  <a:srgbClr val="333333"/>
                 </a:solidFill>
                 <a:effectLst/>
-                <a:latin typeface="roboto" panose="02000000000000000000" pitchFamily="2" charset="0"/>
-                <a:ea typeface="roboto" panose="02000000000000000000" pitchFamily="2" charset="0"/>
-                <a:cs typeface="roboto" panose="02000000000000000000" pitchFamily="2" charset="0"/>
+                <a:latin typeface="Roboto" panose="02000000000000000000" pitchFamily="2" charset="0"/>
               </a:rPr>
-              <a:t>API </a:t>
-            </a:r>
-            <a:r>
-              <a:rPr lang="ko-KR" altLang="en-US" sz="1600" b="1" i="0" dirty="0">
+              <a:t>Python, Flask, Blueprint, selenium, HTML, CSS</a:t>
+            </a:r>
+            <a:endParaRPr lang="ko-KR" altLang="en-US" sz="1000" dirty="0"/>
+          </a:p>
+        </p:txBody>
+      </p:sp>
+      <p:sp>
+        <p:nvSpPr>
+          <p:cNvPr id="83" name="사각형: 둥근 모서리 82">
+            <a:extLst>
+              <a:ext uri="{FF2B5EF4-FFF2-40B4-BE49-F238E27FC236}">
+                <a16:creationId xmlns:a16="http://schemas.microsoft.com/office/drawing/2014/main" id="{9C4A9D74-F2D1-7D4B-1A8F-F003C759E6F5}"/>
+              </a:ext>
+            </a:extLst>
+          </p:cNvPr>
+          <p:cNvSpPr/>
+          <p:nvPr/>
+        </p:nvSpPr>
+        <p:spPr>
+          <a:xfrm>
+            <a:off x="6810412" y="5681568"/>
+            <a:ext cx="975523" cy="348040"/>
+          </a:xfrm>
+          <a:prstGeom prst="roundRect">
+            <a:avLst/>
+          </a:prstGeom>
+          <a:solidFill>
+            <a:srgbClr val="8BA9D6"/>
+          </a:solidFill>
+          <a:ln>
+            <a:noFill/>
+          </a:ln>
+        </p:spPr>
+        <p:style>
+          <a:lnRef idx="2">
+            <a:schemeClr val="accent1">
+              <a:shade val="15000"/>
+            </a:schemeClr>
+          </a:lnRef>
+          <a:fillRef idx="1">
+            <a:schemeClr val="accent1"/>
+          </a:fillRef>
+          <a:effectRef idx="0">
+            <a:schemeClr val="accent1"/>
+          </a:effectRef>
+          <a:fontRef idx="minor">
+            <a:schemeClr val="lt1"/>
+          </a:fontRef>
+        </p:style>
+        <p:txBody>
+          <a:bodyPr rtlCol="0" anchor="ctr"/>
+          <a:lstStyle/>
+          <a:p>
+            <a:pPr algn="ctr"/>
+            <a:r>
+              <a:rPr lang="ko-KR" altLang="en-US" sz="1000" dirty="0">
                 <a:solidFill>
-                  <a:srgbClr val="555555"/>
+                  <a:schemeClr val="bg1"/>
                 </a:solidFill>
-                <a:effectLst/>
-                <a:latin typeface="roboto" panose="02000000000000000000" pitchFamily="2" charset="0"/>
-                <a:cs typeface="roboto" panose="02000000000000000000" pitchFamily="2" charset="0"/>
               </a:rPr>
-              <a:t>설계</a:t>
-            </a:r>
-            <a:r>
-              <a:rPr lang="en-US" altLang="ko-KR" sz="1600" b="1" i="0" dirty="0">
+              <a:t>📂 </a:t>
+            </a:r>
+            <a:r>
+              <a:rPr lang="en-US" altLang="ko-KR" sz="1000" dirty="0">
                 <a:solidFill>
-                  <a:srgbClr val="555555"/>
+                  <a:schemeClr val="bg1"/>
                 </a:solidFill>
-                <a:effectLst/>
-                <a:latin typeface="roboto" panose="02000000000000000000" pitchFamily="2" charset="0"/>
-                <a:ea typeface="roboto" panose="02000000000000000000" pitchFamily="2" charset="0"/>
-                <a:cs typeface="roboto" panose="02000000000000000000" pitchFamily="2" charset="0"/>
               </a:rPr>
-              <a:t>, MySQL </a:t>
-            </a:r>
-            <a:r>
-              <a:rPr lang="ko-KR" altLang="en-US" sz="1600" b="1" i="0" dirty="0">
+              <a:t>PDF </a:t>
+            </a:r>
+            <a:r>
+              <a:rPr lang="ko-KR" altLang="en-US" sz="1000" dirty="0">
                 <a:solidFill>
-                  <a:srgbClr val="555555"/>
+                  <a:schemeClr val="bg1"/>
                 </a:solidFill>
-                <a:effectLst/>
-                <a:latin typeface="roboto" panose="02000000000000000000" pitchFamily="2" charset="0"/>
-                <a:cs typeface="roboto" panose="02000000000000000000" pitchFamily="2" charset="0"/>
               </a:rPr>
-              <a:t>데이터 관리</a:t>
-            </a:r>
-            <a:r>
-              <a:rPr lang="en-US" altLang="ko-KR" sz="1600" b="1" i="0" dirty="0">
+              <a:t>보기</a:t>
+            </a:r>
+          </a:p>
+        </p:txBody>
+      </p:sp>
+      <p:sp>
+        <p:nvSpPr>
+          <p:cNvPr id="84" name="사각형: 둥근 모서리 83">
+            <a:extLst>
+              <a:ext uri="{FF2B5EF4-FFF2-40B4-BE49-F238E27FC236}">
+                <a16:creationId xmlns:a16="http://schemas.microsoft.com/office/drawing/2014/main" id="{D53828B9-7820-B5CA-6704-2E722F307855}"/>
+              </a:ext>
+            </a:extLst>
+          </p:cNvPr>
+          <p:cNvSpPr/>
+          <p:nvPr/>
+        </p:nvSpPr>
+        <p:spPr>
+          <a:xfrm>
+            <a:off x="7943208" y="5673712"/>
+            <a:ext cx="1042106" cy="348040"/>
+          </a:xfrm>
+          <a:prstGeom prst="roundRect">
+            <a:avLst/>
+          </a:prstGeom>
+          <a:solidFill>
+            <a:srgbClr val="8BA9D6"/>
+          </a:solidFill>
+          <a:ln>
+            <a:noFill/>
+          </a:ln>
+        </p:spPr>
+        <p:style>
+          <a:lnRef idx="2">
+            <a:schemeClr val="accent1">
+              <a:shade val="15000"/>
+            </a:schemeClr>
+          </a:lnRef>
+          <a:fillRef idx="1">
+            <a:schemeClr val="accent1"/>
+          </a:fillRef>
+          <a:effectRef idx="0">
+            <a:schemeClr val="accent1"/>
+          </a:effectRef>
+          <a:fontRef idx="minor">
+            <a:schemeClr val="lt1"/>
+          </a:fontRef>
+        </p:style>
+        <p:txBody>
+          <a:bodyPr rtlCol="0" anchor="ctr"/>
+          <a:lstStyle/>
+          <a:p>
+            <a:pPr algn="ctr"/>
+            <a:r>
+              <a:rPr lang="ko-KR" altLang="en-US" sz="1000" dirty="0">
                 <a:solidFill>
-                  <a:srgbClr val="555555"/>
+                  <a:schemeClr val="bg1"/>
                 </a:solidFill>
-                <a:effectLst/>
-                <a:latin typeface="roboto" panose="02000000000000000000" pitchFamily="2" charset="0"/>
-                <a:ea typeface="roboto" panose="02000000000000000000" pitchFamily="2" charset="0"/>
-                <a:cs typeface="roboto" panose="02000000000000000000" pitchFamily="2" charset="0"/>
               </a:rPr>
-              <a:t>, </a:t>
-            </a:r>
-            <a:r>
-              <a:rPr lang="ko-KR" altLang="en-US" sz="1600" b="1" i="0" dirty="0">
+              <a:t>📊 </a:t>
+            </a:r>
+            <a:r>
+              <a:rPr lang="en-US" altLang="ko-KR" sz="1000" dirty="0">
                 <a:solidFill>
-                  <a:srgbClr val="555555"/>
+                  <a:schemeClr val="bg1"/>
                 </a:solidFill>
-                <a:effectLst/>
-                <a:latin typeface="roboto" panose="02000000000000000000" pitchFamily="2" charset="0"/>
-                <a:cs typeface="roboto" panose="02000000000000000000" pitchFamily="2" charset="0"/>
               </a:rPr>
-              <a:t>서버 운영 및 도메인 배포까지 경험하며</a:t>
-            </a:r>
-            <a:r>
-              <a:rPr lang="en-US" altLang="ko-KR" sz="1600" b="1" i="0" dirty="0">
+              <a:t>WBS </a:t>
+            </a:r>
+            <a:r>
+              <a:rPr lang="ko-KR" altLang="en-US" sz="1000" dirty="0">
                 <a:solidFill>
-                  <a:srgbClr val="555555"/>
+                  <a:schemeClr val="bg1"/>
                 </a:solidFill>
-                <a:effectLst/>
-                <a:latin typeface="roboto" panose="02000000000000000000" pitchFamily="2" charset="0"/>
-                <a:ea typeface="roboto" panose="02000000000000000000" pitchFamily="2" charset="0"/>
-                <a:cs typeface="roboto" panose="02000000000000000000" pitchFamily="2" charset="0"/>
               </a:rPr>
-              <a:t>,</a:t>
-            </a:r>
-            <a:br>
-              <a:rPr lang="ko-KR" altLang="en-US" sz="1600" b="1" dirty="0">
-                <a:latin typeface="roboto" panose="02000000000000000000" pitchFamily="2" charset="0"/>
-                <a:cs typeface="roboto" panose="02000000000000000000" pitchFamily="2" charset="0"/>
+              <a:t>보기</a:t>
+            </a:r>
+          </a:p>
+        </p:txBody>
+      </p:sp>
+      <p:sp>
+        <p:nvSpPr>
+          <p:cNvPr id="85" name="사각형: 둥근 모서리 84">
+            <a:hlinkClick r:id="rId13"/>
+            <a:extLst>
+              <a:ext uri="{FF2B5EF4-FFF2-40B4-BE49-F238E27FC236}">
+                <a16:creationId xmlns:a16="http://schemas.microsoft.com/office/drawing/2014/main" id="{10049E04-36E4-039E-3B29-1A7371FBBB85}"/>
+              </a:ext>
+            </a:extLst>
+          </p:cNvPr>
+          <p:cNvSpPr/>
+          <p:nvPr/>
+        </p:nvSpPr>
+        <p:spPr>
+          <a:xfrm>
+            <a:off x="9107980" y="5675280"/>
+            <a:ext cx="1260949" cy="348040"/>
+          </a:xfrm>
+          <a:prstGeom prst="roundRect">
+            <a:avLst/>
+          </a:prstGeom>
+          <a:solidFill>
+            <a:srgbClr val="8BA9D6"/>
+          </a:solidFill>
+          <a:ln>
+            <a:noFill/>
+          </a:ln>
+        </p:spPr>
+        <p:style>
+          <a:lnRef idx="2">
+            <a:schemeClr val="accent1">
+              <a:shade val="15000"/>
+            </a:schemeClr>
+          </a:lnRef>
+          <a:fillRef idx="1">
+            <a:schemeClr val="accent1"/>
+          </a:fillRef>
+          <a:effectRef idx="0">
+            <a:schemeClr val="accent1"/>
+          </a:effectRef>
+          <a:fontRef idx="minor">
+            <a:schemeClr val="lt1"/>
+          </a:fontRef>
+        </p:style>
+        <p:txBody>
+          <a:bodyPr rtlCol="0" anchor="ctr"/>
+          <a:lstStyle/>
+          <a:p>
+            <a:pPr algn="ctr"/>
+            <a:r>
+              <a:rPr lang="ko-KR" altLang="en-US" sz="1000" dirty="0">
+                <a:solidFill>
+                  <a:schemeClr val="bg1"/>
+                </a:solidFill>
               </a:rPr>
-            </a:br>
-            <a:r>
-              <a:rPr lang="ko-KR" altLang="en-US" sz="1600" b="1" i="0" u="sng" dirty="0">
-                <a:solidFill>
-                  <a:srgbClr val="001F3F"/>
-                </a:solidFill>
-                <a:effectLst/>
-                <a:latin typeface="roboto" panose="02000000000000000000" pitchFamily="2" charset="0"/>
-                <a:cs typeface="roboto" panose="02000000000000000000" pitchFamily="2" charset="0"/>
-              </a:rPr>
-              <a:t>소통과 협업</a:t>
-            </a:r>
-            <a:r>
-              <a:rPr lang="ko-KR" altLang="en-US" sz="1600" b="1" i="0" dirty="0">
-                <a:solidFill>
-                  <a:srgbClr val="555555"/>
-                </a:solidFill>
-                <a:effectLst/>
-                <a:latin typeface="roboto" panose="02000000000000000000" pitchFamily="2" charset="0"/>
-                <a:cs typeface="roboto" panose="02000000000000000000" pitchFamily="2" charset="0"/>
-              </a:rPr>
-              <a:t>을 통해 최적의 솔루션을 도출하는 것을 중요하게 생각합니다</a:t>
-            </a:r>
-            <a:r>
-              <a:rPr lang="en-US" altLang="ko-KR" sz="1600" b="1" i="0" dirty="0">
-                <a:solidFill>
-                  <a:srgbClr val="555555"/>
-                </a:solidFill>
-                <a:effectLst/>
-                <a:latin typeface="roboto" panose="02000000000000000000" pitchFamily="2" charset="0"/>
-                <a:ea typeface="roboto" panose="02000000000000000000" pitchFamily="2" charset="0"/>
-                <a:cs typeface="roboto" panose="02000000000000000000" pitchFamily="2" charset="0"/>
-              </a:rPr>
-              <a:t>.</a:t>
-            </a:r>
-            <a:endParaRPr lang="ko-KR" altLang="en-US" sz="1600" b="1" dirty="0">
-              <a:latin typeface="roboto" panose="02000000000000000000" pitchFamily="2" charset="0"/>
-              <a:cs typeface="roboto" panose="02000000000000000000" pitchFamily="2" charset="0"/>
-            </a:endParaRPr>
-          </a:p>
-        </p:txBody>
-      </p:sp>
+              <a:t>🔗프로젝트 이동</a:t>
+            </a:r>
+          </a:p>
+        </p:txBody>
+      </p:sp>
+      <p:graphicFrame>
+        <p:nvGraphicFramePr>
+          <p:cNvPr id="86" name="표 85">
+            <a:extLst>
+              <a:ext uri="{FF2B5EF4-FFF2-40B4-BE49-F238E27FC236}">
+                <a16:creationId xmlns:a16="http://schemas.microsoft.com/office/drawing/2014/main" id="{FDCC7436-470E-E660-3504-B6D39B5FFD81}"/>
+              </a:ext>
+            </a:extLst>
+          </p:cNvPr>
+          <p:cNvGraphicFramePr>
+            <a:graphicFrameLocks noGrp="1"/>
+          </p:cNvGraphicFramePr>
+          <p:nvPr>
+            <p:extLst>
+              <p:ext uri="{D42A27DB-BD31-4B8C-83A1-F6EECF244321}">
+                <p14:modId xmlns:p14="http://schemas.microsoft.com/office/powerpoint/2010/main" val="2812421191"/>
+              </p:ext>
+            </p:extLst>
+          </p:nvPr>
+        </p:nvGraphicFramePr>
+        <p:xfrm>
+          <a:off x="7913557" y="5211250"/>
+          <a:ext cx="2896365" cy="304800"/>
+        </p:xfrm>
+        <a:graphic>
+          <a:graphicData uri="http://schemas.openxmlformats.org/drawingml/2006/table">
+            <a:tbl>
+              <a:tblPr/>
+              <a:tblGrid>
+                <a:gridCol w="2896365">
+                  <a:extLst>
+                    <a:ext uri="{9D8B030D-6E8A-4147-A177-3AD203B41FA5}">
+                      <a16:colId xmlns:a16="http://schemas.microsoft.com/office/drawing/2014/main" val="401158546"/>
+                    </a:ext>
+                  </a:extLst>
+                </a:gridCol>
+              </a:tblGrid>
+              <a:tr h="0">
+                <a:tc>
+                  <a:txBody>
+                    <a:bodyPr/>
+                    <a:lstStyle/>
+                    <a:p>
+                      <a:r>
+                        <a:rPr lang="ko-KR" altLang="en-US" sz="1000" b="1" dirty="0">
+                          <a:effectLst/>
+                        </a:rPr>
+                        <a:t>구직 사이트 크롤링하여 제공하는 사이트</a:t>
+                      </a:r>
+                    </a:p>
+                  </a:txBody>
+                  <a:tcPr marL="76200" marR="76200" marT="76200" marB="76200" anchor="ctr">
+                    <a:lnL>
+                      <a:noFill/>
+                    </a:lnL>
+                    <a:lnR>
+                      <a:noFill/>
+                    </a:lnR>
+                    <a:lnT>
+                      <a:noFill/>
+                    </a:lnT>
+                    <a:lnB w="9525" cap="flat" cmpd="sng" algn="ctr">
+                      <a:solidFill>
+                        <a:srgbClr val="DDDDDD"/>
+                      </a:solidFill>
+                      <a:prstDash val="solid"/>
+                      <a:round/>
+                      <a:headEnd type="none" w="med" len="med"/>
+                      <a:tailEnd type="none" w="med" len="med"/>
+                    </a:lnB>
+                    <a:noFill/>
+                  </a:tcPr>
+                </a:tc>
+                <a:extLst>
+                  <a:ext uri="{0D108BD9-81ED-4DB2-BD59-A6C34878D82A}">
+                    <a16:rowId xmlns:a16="http://schemas.microsoft.com/office/drawing/2014/main" val="271890196"/>
+                  </a:ext>
+                </a:extLst>
+              </a:tr>
+            </a:tbl>
+          </a:graphicData>
+        </a:graphic>
+      </p:graphicFrame>
+      <p:pic>
+        <p:nvPicPr>
+          <p:cNvPr id="19" name="그림 18" descr="텍스트, 스크린샷, 소프트웨어, 멀티미디어 소프트웨어이(가) 표시된 사진&#10;&#10;자동 생성된 설명">
+            <a:extLst>
+              <a:ext uri="{FF2B5EF4-FFF2-40B4-BE49-F238E27FC236}">
+                <a16:creationId xmlns:a16="http://schemas.microsoft.com/office/drawing/2014/main" id="{7064A091-09E5-0EEC-D5BB-ED8C1A4B330A}"/>
+              </a:ext>
+            </a:extLst>
+          </p:cNvPr>
+          <p:cNvPicPr>
+            <a:picLocks noChangeAspect="1"/>
+          </p:cNvPicPr>
+          <p:nvPr/>
+        </p:nvPicPr>
+        <p:blipFill>
+          <a:blip r:embed="rId14">
+            <a:extLst>
+              <a:ext uri="{28A0092B-C50C-407E-A947-70E740481C1C}">
+                <a14:useLocalDpi xmlns:a14="http://schemas.microsoft.com/office/drawing/2010/main" val="0"/>
+              </a:ext>
+            </a:extLst>
+          </a:blip>
+          <a:stretch>
+            <a:fillRect/>
+          </a:stretch>
+        </p:blipFill>
+        <p:spPr>
+          <a:xfrm>
+            <a:off x="7486461" y="2702891"/>
+            <a:ext cx="2226297" cy="1245099"/>
+          </a:xfrm>
+          <a:prstGeom prst="rect">
+            <a:avLst/>
+          </a:prstGeom>
+        </p:spPr>
+      </p:pic>
     </p:spTree>
     <p:extLst>
       <p:ext uri="{BB962C8B-B14F-4D97-AF65-F5344CB8AC3E}">
@@ -4710,7 +6258,7 @@
         </p:nvSpPr>
         <p:spPr>
           <a:xfrm>
-            <a:off x="4440025" y="608030"/>
+            <a:off x="4732263" y="608030"/>
             <a:ext cx="471342" cy="358219"/>
           </a:xfrm>
           <a:prstGeom prst="flowChartTerminator">
@@ -4769,7 +6317,7 @@
         </p:nvSpPr>
         <p:spPr>
           <a:xfrm>
-            <a:off x="5044911" y="619025"/>
+            <a:off x="5337149" y="619025"/>
             <a:ext cx="471342" cy="358219"/>
           </a:xfrm>
           <a:prstGeom prst="flowChartTerminator">
@@ -4828,7 +6376,7 @@
         </p:nvSpPr>
         <p:spPr>
           <a:xfrm>
-            <a:off x="5649797" y="630020"/>
+            <a:off x="5942035" y="630020"/>
             <a:ext cx="471342" cy="358219"/>
           </a:xfrm>
           <a:prstGeom prst="flowChartTerminator">
@@ -4887,7 +6435,7 @@
         </p:nvSpPr>
         <p:spPr>
           <a:xfrm>
-            <a:off x="6254683" y="641015"/>
+            <a:off x="6546921" y="641015"/>
             <a:ext cx="471342" cy="358219"/>
           </a:xfrm>
           <a:prstGeom prst="flowChartTerminator">
@@ -4946,7 +6494,7 @@
         </p:nvSpPr>
         <p:spPr>
           <a:xfrm>
-            <a:off x="6859569" y="652010"/>
+            <a:off x="7151807" y="652010"/>
             <a:ext cx="471342" cy="358219"/>
           </a:xfrm>
           <a:prstGeom prst="flowChartTerminator">
@@ -4994,39 +6542,10 @@
       <p:pic>
         <p:nvPicPr>
           <p:cNvPr id="16" name="그림 15">
+            <a:hlinkClick r:id="rId2" action="ppaction://hlinksldjump"/>
             <a:extLst>
               <a:ext uri="{FF2B5EF4-FFF2-40B4-BE49-F238E27FC236}">
                 <a16:creationId xmlns:a16="http://schemas.microsoft.com/office/drawing/2014/main" id="{0C4CAEE2-AA9F-9755-E28B-ADC1D806B1A3}"/>
-              </a:ext>
-            </a:extLst>
-          </p:cNvPr>
-          <p:cNvPicPr>
-            <a:picLocks noChangeAspect="1"/>
-          </p:cNvPicPr>
-          <p:nvPr/>
-        </p:nvPicPr>
-        <p:blipFill>
-          <a:blip r:embed="rId2"/>
-          <a:stretch>
-            <a:fillRect/>
-          </a:stretch>
-        </p:blipFill>
-        <p:spPr>
-          <a:xfrm>
-            <a:off x="5738764" y="668351"/>
-            <a:ext cx="293407" cy="279095"/>
-          </a:xfrm>
-          <a:prstGeom prst="rect">
-            <a:avLst/>
-          </a:prstGeom>
-        </p:spPr>
-      </p:pic>
-      <p:pic>
-        <p:nvPicPr>
-          <p:cNvPr id="18" name="그림 17">
-            <a:extLst>
-              <a:ext uri="{FF2B5EF4-FFF2-40B4-BE49-F238E27FC236}">
-                <a16:creationId xmlns:a16="http://schemas.microsoft.com/office/drawing/2014/main" id="{D8E6F84F-3C48-4B9A-BD6C-B31F1C1B6925}"/>
               </a:ext>
             </a:extLst>
           </p:cNvPr>
@@ -5043,7 +6562,38 @@
         </p:blipFill>
         <p:spPr>
           <a:xfrm>
-            <a:off x="6285004" y="687070"/>
+            <a:off x="6031002" y="668351"/>
+            <a:ext cx="293407" cy="279095"/>
+          </a:xfrm>
+          <a:prstGeom prst="rect">
+            <a:avLst/>
+          </a:prstGeom>
+        </p:spPr>
+      </p:pic>
+      <p:pic>
+        <p:nvPicPr>
+          <p:cNvPr id="18" name="그림 17">
+            <a:hlinkClick r:id="rId4" action="ppaction://hlinksldjump"/>
+            <a:extLst>
+              <a:ext uri="{FF2B5EF4-FFF2-40B4-BE49-F238E27FC236}">
+                <a16:creationId xmlns:a16="http://schemas.microsoft.com/office/drawing/2014/main" id="{D8E6F84F-3C48-4B9A-BD6C-B31F1C1B6925}"/>
+              </a:ext>
+            </a:extLst>
+          </p:cNvPr>
+          <p:cNvPicPr>
+            <a:picLocks noChangeAspect="1"/>
+          </p:cNvPicPr>
+          <p:nvPr/>
+        </p:nvPicPr>
+        <p:blipFill>
+          <a:blip r:embed="rId5"/>
+          <a:stretch>
+            <a:fillRect/>
+          </a:stretch>
+        </p:blipFill>
+        <p:spPr>
+          <a:xfrm>
+            <a:off x="6577242" y="687070"/>
             <a:ext cx="355023" cy="294409"/>
           </a:xfrm>
           <a:prstGeom prst="rect">
@@ -5054,6 +6604,7 @@
       <p:pic>
         <p:nvPicPr>
           <p:cNvPr id="20" name="그림 19">
+            <a:hlinkClick r:id="rId6" action="ppaction://hlinksldjump"/>
             <a:extLst>
               <a:ext uri="{FF2B5EF4-FFF2-40B4-BE49-F238E27FC236}">
                 <a16:creationId xmlns:a16="http://schemas.microsoft.com/office/drawing/2014/main" id="{503DB56B-720C-BBF2-F01E-82111DC85096}"/>
@@ -5066,14 +6617,14 @@
           <p:nvPr/>
         </p:nvPicPr>
         <p:blipFill>
-          <a:blip r:embed="rId4"/>
+          <a:blip r:embed="rId7"/>
           <a:stretch>
             <a:fillRect/>
           </a:stretch>
         </p:blipFill>
         <p:spPr>
           <a:xfrm>
-            <a:off x="6945674" y="671597"/>
+            <a:off x="7237912" y="671597"/>
             <a:ext cx="299132" cy="291260"/>
           </a:xfrm>
           <a:prstGeom prst="rect">
@@ -5095,7 +6646,7 @@
         </p:nvSpPr>
         <p:spPr>
           <a:xfrm>
-            <a:off x="5162744" y="153851"/>
+            <a:off x="5454981" y="153851"/>
             <a:ext cx="1459584" cy="369332"/>
           </a:xfrm>
           <a:prstGeom prst="rect">
@@ -5126,6 +6677,7 @@
       <p:pic>
         <p:nvPicPr>
           <p:cNvPr id="3" name="그림 2">
+            <a:hlinkClick r:id="rId8" action="ppaction://hlinksldjump"/>
             <a:extLst>
               <a:ext uri="{FF2B5EF4-FFF2-40B4-BE49-F238E27FC236}">
                 <a16:creationId xmlns:a16="http://schemas.microsoft.com/office/drawing/2014/main" id="{516B5730-C3F9-1DF9-8A6D-FB3B358C4BE7}"/>
@@ -5138,14 +6690,14 @@
           <p:nvPr/>
         </p:nvPicPr>
         <p:blipFill>
-          <a:blip r:embed="rId5"/>
+          <a:blip r:embed="rId9"/>
           <a:stretch>
             <a:fillRect/>
           </a:stretch>
         </p:blipFill>
         <p:spPr>
           <a:xfrm>
-            <a:off x="4511322" y="651956"/>
+            <a:off x="4803560" y="651956"/>
             <a:ext cx="307005" cy="330620"/>
           </a:xfrm>
           <a:prstGeom prst="rect">
@@ -5168,14 +6720,14 @@
           <p:nvPr/>
         </p:nvPicPr>
         <p:blipFill>
-          <a:blip r:embed="rId6"/>
+          <a:blip r:embed="rId10"/>
           <a:stretch>
             <a:fillRect/>
           </a:stretch>
         </p:blipFill>
         <p:spPr>
           <a:xfrm>
-            <a:off x="5120383" y="638947"/>
+            <a:off x="5412621" y="638947"/>
             <a:ext cx="329045" cy="337705"/>
           </a:xfrm>
           <a:prstGeom prst="rect">
@@ -5197,7 +6749,7 @@
         </p:nvSpPr>
         <p:spPr>
           <a:xfrm>
-            <a:off x="2978870" y="1237932"/>
+            <a:off x="3261681" y="1237932"/>
             <a:ext cx="5816337" cy="5332550"/>
           </a:xfrm>
           <a:prstGeom prst="rect">
@@ -5256,7 +6808,7 @@
         </p:nvSpPr>
         <p:spPr>
           <a:xfrm>
-            <a:off x="5389177" y="1417879"/>
+            <a:off x="5690842" y="1417879"/>
             <a:ext cx="992579" cy="369332"/>
           </a:xfrm>
           <a:prstGeom prst="rect">
@@ -5271,7 +6823,7 @@
           <a:lstStyle/>
           <a:p>
             <a:r>
-              <a:rPr lang="ko-KR" altLang="en-US" b="1">
+              <a:rPr lang="ko-KR" altLang="en-US" b="1" dirty="0">
                 <a:latin typeface="roboto" panose="02000000000000000000" pitchFamily="2" charset="0"/>
                 <a:cs typeface="roboto" panose="02000000000000000000" pitchFamily="2" charset="0"/>
               </a:rPr>
@@ -5295,14 +6847,14 @@
           <p:nvPr/>
         </p:nvPicPr>
         <p:blipFill>
-          <a:blip r:embed="rId7"/>
+          <a:blip r:embed="rId11"/>
           <a:stretch>
             <a:fillRect/>
           </a:stretch>
         </p:blipFill>
         <p:spPr>
           <a:xfrm>
-            <a:off x="3271101" y="1787210"/>
+            <a:off x="3553912" y="1787210"/>
             <a:ext cx="5053046" cy="4747541"/>
           </a:xfrm>
           <a:prstGeom prst="rect">
@@ -5429,6 +6981,7 @@
       <p:sp>
         <p:nvSpPr>
           <p:cNvPr id="6" name="순서도: 수행의 시작/종료 5">
+            <a:hlinkClick r:id="rId2" action="ppaction://hlinksldjump"/>
             <a:extLst>
               <a:ext uri="{FF2B5EF4-FFF2-40B4-BE49-F238E27FC236}">
                 <a16:creationId xmlns:a16="http://schemas.microsoft.com/office/drawing/2014/main" id="{571DA51C-D0DC-BF82-D5AB-BE313AA08E45}"/>
@@ -5440,7 +6993,7 @@
         </p:nvSpPr>
         <p:spPr>
           <a:xfrm>
-            <a:off x="4440025" y="608030"/>
+            <a:off x="4732259" y="608030"/>
             <a:ext cx="471342" cy="358219"/>
           </a:xfrm>
           <a:prstGeom prst="flowChartTerminator">
@@ -5488,6 +7041,7 @@
       <p:sp>
         <p:nvSpPr>
           <p:cNvPr id="9" name="순서도: 수행의 시작/종료 8">
+            <a:hlinkClick r:id="rId3" action="ppaction://hlinksldjump"/>
             <a:extLst>
               <a:ext uri="{FF2B5EF4-FFF2-40B4-BE49-F238E27FC236}">
                 <a16:creationId xmlns:a16="http://schemas.microsoft.com/office/drawing/2014/main" id="{EBF21949-62D8-2E73-32FB-5A958D60957D}"/>
@@ -5499,7 +7053,7 @@
         </p:nvSpPr>
         <p:spPr>
           <a:xfrm>
-            <a:off x="5044911" y="619025"/>
+            <a:off x="5337145" y="619025"/>
             <a:ext cx="471342" cy="358219"/>
           </a:xfrm>
           <a:prstGeom prst="flowChartTerminator">
@@ -5558,7 +7112,7 @@
         </p:nvSpPr>
         <p:spPr>
           <a:xfrm>
-            <a:off x="5649797" y="630020"/>
+            <a:off x="5942031" y="630020"/>
             <a:ext cx="471342" cy="358219"/>
           </a:xfrm>
           <a:prstGeom prst="flowChartTerminator">
@@ -5606,6 +7160,7 @@
       <p:sp>
         <p:nvSpPr>
           <p:cNvPr id="11" name="순서도: 수행의 시작/종료 10">
+            <a:hlinkClick r:id="rId4" action="ppaction://hlinksldjump"/>
             <a:extLst>
               <a:ext uri="{FF2B5EF4-FFF2-40B4-BE49-F238E27FC236}">
                 <a16:creationId xmlns:a16="http://schemas.microsoft.com/office/drawing/2014/main" id="{F35A162D-0E2B-C6A9-B65F-03288584FE14}"/>
@@ -5617,7 +7172,7 @@
         </p:nvSpPr>
         <p:spPr>
           <a:xfrm>
-            <a:off x="6254683" y="641015"/>
+            <a:off x="6546917" y="641015"/>
             <a:ext cx="471342" cy="358219"/>
           </a:xfrm>
           <a:prstGeom prst="flowChartTerminator">
@@ -5665,6 +7220,7 @@
       <p:sp>
         <p:nvSpPr>
           <p:cNvPr id="12" name="순서도: 수행의 시작/종료 11">
+            <a:hlinkClick r:id="rId5" action="ppaction://hlinksldjump"/>
             <a:extLst>
               <a:ext uri="{FF2B5EF4-FFF2-40B4-BE49-F238E27FC236}">
                 <a16:creationId xmlns:a16="http://schemas.microsoft.com/office/drawing/2014/main" id="{1BF947AF-224A-66D8-48D7-0A0F72045543}"/>
@@ -5676,7 +7232,7 @@
         </p:nvSpPr>
         <p:spPr>
           <a:xfrm>
-            <a:off x="6859569" y="652010"/>
+            <a:off x="7151803" y="652010"/>
             <a:ext cx="471342" cy="358219"/>
           </a:xfrm>
           <a:prstGeom prst="flowChartTerminator">
@@ -5724,6 +7280,7 @@
       <p:pic>
         <p:nvPicPr>
           <p:cNvPr id="18" name="그림 17">
+            <a:hlinkClick r:id="rId4" action="ppaction://hlinksldjump"/>
             <a:extLst>
               <a:ext uri="{FF2B5EF4-FFF2-40B4-BE49-F238E27FC236}">
                 <a16:creationId xmlns:a16="http://schemas.microsoft.com/office/drawing/2014/main" id="{D8E6F84F-3C48-4B9A-BD6C-B31F1C1B6925}"/>
@@ -5736,14 +7293,14 @@
           <p:nvPr/>
         </p:nvPicPr>
         <p:blipFill>
-          <a:blip r:embed="rId2"/>
+          <a:blip r:embed="rId6"/>
           <a:stretch>
             <a:fillRect/>
           </a:stretch>
         </p:blipFill>
         <p:spPr>
           <a:xfrm>
-            <a:off x="6285004" y="687070"/>
+            <a:off x="6577238" y="687070"/>
             <a:ext cx="355023" cy="294409"/>
           </a:xfrm>
           <a:prstGeom prst="rect">
@@ -5754,6 +7311,7 @@
       <p:pic>
         <p:nvPicPr>
           <p:cNvPr id="20" name="그림 19">
+            <a:hlinkClick r:id="rId5" action="ppaction://hlinksldjump"/>
             <a:extLst>
               <a:ext uri="{FF2B5EF4-FFF2-40B4-BE49-F238E27FC236}">
                 <a16:creationId xmlns:a16="http://schemas.microsoft.com/office/drawing/2014/main" id="{503DB56B-720C-BBF2-F01E-82111DC85096}"/>
@@ -5766,14 +7324,14 @@
           <p:nvPr/>
         </p:nvPicPr>
         <p:blipFill>
-          <a:blip r:embed="rId3"/>
+          <a:blip r:embed="rId7"/>
           <a:stretch>
             <a:fillRect/>
           </a:stretch>
         </p:blipFill>
         <p:spPr>
           <a:xfrm>
-            <a:off x="6945674" y="671597"/>
+            <a:off x="7237908" y="671597"/>
             <a:ext cx="299132" cy="291260"/>
           </a:xfrm>
           <a:prstGeom prst="rect">
@@ -5795,7 +7353,7 @@
         </p:nvSpPr>
         <p:spPr>
           <a:xfrm>
-            <a:off x="5162744" y="153851"/>
+            <a:off x="5454978" y="153851"/>
             <a:ext cx="1459584" cy="369332"/>
           </a:xfrm>
           <a:prstGeom prst="rect">
@@ -5826,6 +7384,7 @@
       <p:pic>
         <p:nvPicPr>
           <p:cNvPr id="3" name="그림 2">
+            <a:hlinkClick r:id="rId2" action="ppaction://hlinksldjump"/>
             <a:extLst>
               <a:ext uri="{FF2B5EF4-FFF2-40B4-BE49-F238E27FC236}">
                 <a16:creationId xmlns:a16="http://schemas.microsoft.com/office/drawing/2014/main" id="{516B5730-C3F9-1DF9-8A6D-FB3B358C4BE7}"/>
@@ -5838,14 +7397,14 @@
           <p:nvPr/>
         </p:nvPicPr>
         <p:blipFill>
-          <a:blip r:embed="rId4"/>
+          <a:blip r:embed="rId8"/>
           <a:stretch>
             <a:fillRect/>
           </a:stretch>
         </p:blipFill>
         <p:spPr>
           <a:xfrm>
-            <a:off x="4511322" y="651956"/>
+            <a:off x="4803556" y="651956"/>
             <a:ext cx="307005" cy="330620"/>
           </a:xfrm>
           <a:prstGeom prst="rect">
@@ -5856,6 +7415,7 @@
       <p:pic>
         <p:nvPicPr>
           <p:cNvPr id="2" name="그림 1">
+            <a:hlinkClick r:id="rId3" action="ppaction://hlinksldjump"/>
             <a:extLst>
               <a:ext uri="{FF2B5EF4-FFF2-40B4-BE49-F238E27FC236}">
                 <a16:creationId xmlns:a16="http://schemas.microsoft.com/office/drawing/2014/main" id="{5CA148E6-89D5-93A1-FF49-453C8701EB47}"/>
@@ -5868,14 +7428,14 @@
           <p:nvPr/>
         </p:nvPicPr>
         <p:blipFill>
-          <a:blip r:embed="rId5"/>
+          <a:blip r:embed="rId9"/>
           <a:stretch>
             <a:fillRect/>
           </a:stretch>
         </p:blipFill>
         <p:spPr>
           <a:xfrm>
-            <a:off x="5137706" y="649107"/>
+            <a:off x="5429940" y="649107"/>
             <a:ext cx="285750" cy="303068"/>
           </a:xfrm>
           <a:prstGeom prst="rect">
@@ -5898,14 +7458,14 @@
           <p:nvPr/>
         </p:nvPicPr>
         <p:blipFill>
-          <a:blip r:embed="rId6"/>
+          <a:blip r:embed="rId10"/>
           <a:stretch>
             <a:fillRect/>
           </a:stretch>
         </p:blipFill>
         <p:spPr>
           <a:xfrm>
-            <a:off x="5725562" y="662750"/>
+            <a:off x="6017796" y="662750"/>
             <a:ext cx="305768" cy="292756"/>
           </a:xfrm>
           <a:prstGeom prst="rect">
@@ -6032,6 +7592,7 @@
       <p:sp>
         <p:nvSpPr>
           <p:cNvPr id="6" name="순서도: 수행의 시작/종료 5">
+            <a:hlinkClick r:id="rId2" action="ppaction://hlinksldjump"/>
             <a:extLst>
               <a:ext uri="{FF2B5EF4-FFF2-40B4-BE49-F238E27FC236}">
                 <a16:creationId xmlns:a16="http://schemas.microsoft.com/office/drawing/2014/main" id="{571DA51C-D0DC-BF82-D5AB-BE313AA08E45}"/>
@@ -6043,7 +7604,7 @@
         </p:nvSpPr>
         <p:spPr>
           <a:xfrm>
-            <a:off x="4440025" y="608030"/>
+            <a:off x="4732259" y="608030"/>
             <a:ext cx="471342" cy="358219"/>
           </a:xfrm>
           <a:prstGeom prst="flowChartTerminator">
@@ -6091,6 +7652,7 @@
       <p:sp>
         <p:nvSpPr>
           <p:cNvPr id="9" name="순서도: 수행의 시작/종료 8">
+            <a:hlinkClick r:id="rId3" action="ppaction://hlinksldjump"/>
             <a:extLst>
               <a:ext uri="{FF2B5EF4-FFF2-40B4-BE49-F238E27FC236}">
                 <a16:creationId xmlns:a16="http://schemas.microsoft.com/office/drawing/2014/main" id="{EBF21949-62D8-2E73-32FB-5A958D60957D}"/>
@@ -6102,7 +7664,7 @@
         </p:nvSpPr>
         <p:spPr>
           <a:xfrm>
-            <a:off x="5044911" y="619025"/>
+            <a:off x="5337145" y="619025"/>
             <a:ext cx="471342" cy="358219"/>
           </a:xfrm>
           <a:prstGeom prst="flowChartTerminator">
@@ -6161,7 +7723,1227 @@
         </p:nvSpPr>
         <p:spPr>
           <a:xfrm>
-            <a:off x="5649797" y="630020"/>
+            <a:off x="5942031" y="630020"/>
+            <a:ext cx="471342" cy="358219"/>
+          </a:xfrm>
+          <a:prstGeom prst="flowChartTerminator">
+            <a:avLst/>
+          </a:prstGeom>
+          <a:solidFill>
+            <a:srgbClr val="E8F1F2"/>
+          </a:solidFill>
+          <a:ln>
+            <a:noFill/>
+          </a:ln>
+          <a:effectLst>
+            <a:outerShdw blurRad="50800" dist="25400" dir="5400000" algn="ctr" rotWithShape="0">
+              <a:schemeClr val="bg2">
+                <a:lumMod val="75000"/>
+              </a:schemeClr>
+            </a:outerShdw>
+          </a:effectLst>
+        </p:spPr>
+        <p:style>
+          <a:lnRef idx="2">
+            <a:schemeClr val="accent1">
+              <a:shade val="15000"/>
+            </a:schemeClr>
+          </a:lnRef>
+          <a:fillRef idx="1">
+            <a:schemeClr val="accent1"/>
+          </a:fillRef>
+          <a:effectRef idx="0">
+            <a:schemeClr val="accent1"/>
+          </a:effectRef>
+          <a:fontRef idx="minor">
+            <a:schemeClr val="lt1"/>
+          </a:fontRef>
+        </p:style>
+        <p:txBody>
+          <a:bodyPr rtlCol="0" anchor="ctr"/>
+          <a:lstStyle/>
+          <a:p>
+            <a:pPr algn="ctr"/>
+            <a:endParaRPr lang="ko-KR" altLang="en-US"/>
+          </a:p>
+        </p:txBody>
+      </p:sp>
+      <p:sp>
+        <p:nvSpPr>
+          <p:cNvPr id="11" name="순서도: 수행의 시작/종료 10">
+            <a:hlinkClick r:id="rId4" action="ppaction://hlinksldjump"/>
+            <a:extLst>
+              <a:ext uri="{FF2B5EF4-FFF2-40B4-BE49-F238E27FC236}">
+                <a16:creationId xmlns:a16="http://schemas.microsoft.com/office/drawing/2014/main" id="{F35A162D-0E2B-C6A9-B65F-03288584FE14}"/>
+              </a:ext>
+            </a:extLst>
+          </p:cNvPr>
+          <p:cNvSpPr/>
+          <p:nvPr/>
+        </p:nvSpPr>
+        <p:spPr>
+          <a:xfrm>
+            <a:off x="6546917" y="641015"/>
+            <a:ext cx="471342" cy="358219"/>
+          </a:xfrm>
+          <a:prstGeom prst="flowChartTerminator">
+            <a:avLst/>
+          </a:prstGeom>
+          <a:solidFill>
+            <a:srgbClr val="9CB7DC"/>
+          </a:solidFill>
+          <a:ln>
+            <a:noFill/>
+          </a:ln>
+          <a:effectLst>
+            <a:outerShdw blurRad="50800" dist="25400" dir="5400000" algn="ctr" rotWithShape="0">
+              <a:schemeClr val="bg2">
+                <a:lumMod val="75000"/>
+              </a:schemeClr>
+            </a:outerShdw>
+          </a:effectLst>
+        </p:spPr>
+        <p:style>
+          <a:lnRef idx="2">
+            <a:schemeClr val="accent1">
+              <a:shade val="15000"/>
+            </a:schemeClr>
+          </a:lnRef>
+          <a:fillRef idx="1">
+            <a:schemeClr val="accent1"/>
+          </a:fillRef>
+          <a:effectRef idx="0">
+            <a:schemeClr val="accent1"/>
+          </a:effectRef>
+          <a:fontRef idx="minor">
+            <a:schemeClr val="lt1"/>
+          </a:fontRef>
+        </p:style>
+        <p:txBody>
+          <a:bodyPr rtlCol="0" anchor="ctr"/>
+          <a:lstStyle/>
+          <a:p>
+            <a:pPr algn="ctr"/>
+            <a:endParaRPr lang="ko-KR" altLang="en-US"/>
+          </a:p>
+        </p:txBody>
+      </p:sp>
+      <p:sp>
+        <p:nvSpPr>
+          <p:cNvPr id="12" name="순서도: 수행의 시작/종료 11">
+            <a:hlinkClick r:id="rId5" action="ppaction://hlinksldjump"/>
+            <a:extLst>
+              <a:ext uri="{FF2B5EF4-FFF2-40B4-BE49-F238E27FC236}">
+                <a16:creationId xmlns:a16="http://schemas.microsoft.com/office/drawing/2014/main" id="{1BF947AF-224A-66D8-48D7-0A0F72045543}"/>
+              </a:ext>
+            </a:extLst>
+          </p:cNvPr>
+          <p:cNvSpPr/>
+          <p:nvPr/>
+        </p:nvSpPr>
+        <p:spPr>
+          <a:xfrm>
+            <a:off x="7151803" y="652010"/>
+            <a:ext cx="471342" cy="358219"/>
+          </a:xfrm>
+          <a:prstGeom prst="flowChartTerminator">
+            <a:avLst/>
+          </a:prstGeom>
+          <a:solidFill>
+            <a:srgbClr val="9CB7DC"/>
+          </a:solidFill>
+          <a:ln>
+            <a:noFill/>
+          </a:ln>
+          <a:effectLst>
+            <a:outerShdw blurRad="50800" dist="25400" dir="5400000" algn="ctr" rotWithShape="0">
+              <a:schemeClr val="bg2">
+                <a:lumMod val="75000"/>
+              </a:schemeClr>
+            </a:outerShdw>
+          </a:effectLst>
+        </p:spPr>
+        <p:style>
+          <a:lnRef idx="2">
+            <a:schemeClr val="accent1">
+              <a:shade val="15000"/>
+            </a:schemeClr>
+          </a:lnRef>
+          <a:fillRef idx="1">
+            <a:schemeClr val="accent1"/>
+          </a:fillRef>
+          <a:effectRef idx="0">
+            <a:schemeClr val="accent1"/>
+          </a:effectRef>
+          <a:fontRef idx="minor">
+            <a:schemeClr val="lt1"/>
+          </a:fontRef>
+        </p:style>
+        <p:txBody>
+          <a:bodyPr rtlCol="0" anchor="ctr"/>
+          <a:lstStyle/>
+          <a:p>
+            <a:pPr algn="ctr"/>
+            <a:endParaRPr lang="ko-KR" altLang="en-US"/>
+          </a:p>
+        </p:txBody>
+      </p:sp>
+      <p:pic>
+        <p:nvPicPr>
+          <p:cNvPr id="18" name="그림 17">
+            <a:hlinkClick r:id="rId4" action="ppaction://hlinksldjump"/>
+            <a:extLst>
+              <a:ext uri="{FF2B5EF4-FFF2-40B4-BE49-F238E27FC236}">
+                <a16:creationId xmlns:a16="http://schemas.microsoft.com/office/drawing/2014/main" id="{D8E6F84F-3C48-4B9A-BD6C-B31F1C1B6925}"/>
+              </a:ext>
+            </a:extLst>
+          </p:cNvPr>
+          <p:cNvPicPr>
+            <a:picLocks noChangeAspect="1"/>
+          </p:cNvPicPr>
+          <p:nvPr/>
+        </p:nvPicPr>
+        <p:blipFill>
+          <a:blip r:embed="rId6"/>
+          <a:stretch>
+            <a:fillRect/>
+          </a:stretch>
+        </p:blipFill>
+        <p:spPr>
+          <a:xfrm>
+            <a:off x="6577238" y="687070"/>
+            <a:ext cx="355023" cy="294409"/>
+          </a:xfrm>
+          <a:prstGeom prst="rect">
+            <a:avLst/>
+          </a:prstGeom>
+        </p:spPr>
+      </p:pic>
+      <p:pic>
+        <p:nvPicPr>
+          <p:cNvPr id="20" name="그림 19">
+            <a:hlinkClick r:id="rId5" action="ppaction://hlinksldjump"/>
+            <a:extLst>
+              <a:ext uri="{FF2B5EF4-FFF2-40B4-BE49-F238E27FC236}">
+                <a16:creationId xmlns:a16="http://schemas.microsoft.com/office/drawing/2014/main" id="{503DB56B-720C-BBF2-F01E-82111DC85096}"/>
+              </a:ext>
+            </a:extLst>
+          </p:cNvPr>
+          <p:cNvPicPr>
+            <a:picLocks noChangeAspect="1"/>
+          </p:cNvPicPr>
+          <p:nvPr/>
+        </p:nvPicPr>
+        <p:blipFill>
+          <a:blip r:embed="rId7"/>
+          <a:stretch>
+            <a:fillRect/>
+          </a:stretch>
+        </p:blipFill>
+        <p:spPr>
+          <a:xfrm>
+            <a:off x="7237908" y="671597"/>
+            <a:ext cx="299132" cy="291260"/>
+          </a:xfrm>
+          <a:prstGeom prst="rect">
+            <a:avLst/>
+          </a:prstGeom>
+        </p:spPr>
+      </p:pic>
+      <p:sp>
+        <p:nvSpPr>
+          <p:cNvPr id="21" name="TextBox 20">
+            <a:extLst>
+              <a:ext uri="{FF2B5EF4-FFF2-40B4-BE49-F238E27FC236}">
+                <a16:creationId xmlns:a16="http://schemas.microsoft.com/office/drawing/2014/main" id="{78571FF7-6D80-6CD3-4B76-86ABC0877E45}"/>
+              </a:ext>
+            </a:extLst>
+          </p:cNvPr>
+          <p:cNvSpPr txBox="1"/>
+          <p:nvPr/>
+        </p:nvSpPr>
+        <p:spPr>
+          <a:xfrm>
+            <a:off x="5454978" y="153851"/>
+            <a:ext cx="1459584" cy="369332"/>
+          </a:xfrm>
+          <a:prstGeom prst="rect">
+            <a:avLst/>
+          </a:prstGeom>
+          <a:noFill/>
+        </p:spPr>
+        <p:txBody>
+          <a:bodyPr wrap="square" rtlCol="0">
+            <a:spAutoFit/>
+          </a:bodyPr>
+          <a:lstStyle/>
+          <a:p>
+            <a:pPr algn="ctr"/>
+            <a:r>
+              <a:rPr lang="en-US" altLang="ko-KR" b="1" i="0" dirty="0">
+                <a:solidFill>
+                  <a:srgbClr val="333333"/>
+                </a:solidFill>
+                <a:effectLst/>
+                <a:latin typeface="Roboto" panose="02000000000000000000" pitchFamily="2" charset="0"/>
+              </a:rPr>
+              <a:t>PORTFOLIO</a:t>
+            </a:r>
+          </a:p>
+        </p:txBody>
+      </p:sp>
+      <p:pic>
+        <p:nvPicPr>
+          <p:cNvPr id="3" name="그림 2">
+            <a:hlinkClick r:id="rId2" action="ppaction://hlinksldjump"/>
+            <a:extLst>
+              <a:ext uri="{FF2B5EF4-FFF2-40B4-BE49-F238E27FC236}">
+                <a16:creationId xmlns:a16="http://schemas.microsoft.com/office/drawing/2014/main" id="{516B5730-C3F9-1DF9-8A6D-FB3B358C4BE7}"/>
+              </a:ext>
+            </a:extLst>
+          </p:cNvPr>
+          <p:cNvPicPr>
+            <a:picLocks noChangeAspect="1"/>
+          </p:cNvPicPr>
+          <p:nvPr/>
+        </p:nvPicPr>
+        <p:blipFill>
+          <a:blip r:embed="rId8"/>
+          <a:stretch>
+            <a:fillRect/>
+          </a:stretch>
+        </p:blipFill>
+        <p:spPr>
+          <a:xfrm>
+            <a:off x="4803556" y="651956"/>
+            <a:ext cx="307005" cy="330620"/>
+          </a:xfrm>
+          <a:prstGeom prst="rect">
+            <a:avLst/>
+          </a:prstGeom>
+        </p:spPr>
+      </p:pic>
+      <p:pic>
+        <p:nvPicPr>
+          <p:cNvPr id="2" name="그림 1">
+            <a:hlinkClick r:id="rId3" action="ppaction://hlinksldjump"/>
+            <a:extLst>
+              <a:ext uri="{FF2B5EF4-FFF2-40B4-BE49-F238E27FC236}">
+                <a16:creationId xmlns:a16="http://schemas.microsoft.com/office/drawing/2014/main" id="{5CA148E6-89D5-93A1-FF49-453C8701EB47}"/>
+              </a:ext>
+            </a:extLst>
+          </p:cNvPr>
+          <p:cNvPicPr>
+            <a:picLocks noChangeAspect="1"/>
+          </p:cNvPicPr>
+          <p:nvPr/>
+        </p:nvPicPr>
+        <p:blipFill>
+          <a:blip r:embed="rId9"/>
+          <a:stretch>
+            <a:fillRect/>
+          </a:stretch>
+        </p:blipFill>
+        <p:spPr>
+          <a:xfrm>
+            <a:off x="5429940" y="649107"/>
+            <a:ext cx="285750" cy="303068"/>
+          </a:xfrm>
+          <a:prstGeom prst="rect">
+            <a:avLst/>
+          </a:prstGeom>
+        </p:spPr>
+      </p:pic>
+      <p:pic>
+        <p:nvPicPr>
+          <p:cNvPr id="8" name="그림 7">
+            <a:extLst>
+              <a:ext uri="{FF2B5EF4-FFF2-40B4-BE49-F238E27FC236}">
+                <a16:creationId xmlns:a16="http://schemas.microsoft.com/office/drawing/2014/main" id="{3EE14508-8602-0FA3-6A8D-FD3D27AAC005}"/>
+              </a:ext>
+            </a:extLst>
+          </p:cNvPr>
+          <p:cNvPicPr>
+            <a:picLocks noChangeAspect="1"/>
+          </p:cNvPicPr>
+          <p:nvPr/>
+        </p:nvPicPr>
+        <p:blipFill>
+          <a:blip r:embed="rId10"/>
+          <a:stretch>
+            <a:fillRect/>
+          </a:stretch>
+        </p:blipFill>
+        <p:spPr>
+          <a:xfrm>
+            <a:off x="6017796" y="662750"/>
+            <a:ext cx="305768" cy="292756"/>
+          </a:xfrm>
+          <a:prstGeom prst="rect">
+            <a:avLst/>
+          </a:prstGeom>
+        </p:spPr>
+      </p:pic>
+    </p:spTree>
+    <p:extLst>
+      <p:ext uri="{BB962C8B-B14F-4D97-AF65-F5344CB8AC3E}">
+        <p14:creationId xmlns:p14="http://schemas.microsoft.com/office/powerpoint/2010/main" val="4030321910"/>
+      </p:ext>
+    </p:extLst>
+  </p:cSld>
+  <p:clrMapOvr>
+    <a:masterClrMapping/>
+  </p:clrMapOvr>
+</p:sld>
+</file>
+
+<file path=ppt/slides/slide6.xml><?xml version="1.0" encoding="utf-8"?>
+<p:sld xmlns:a="http://schemas.openxmlformats.org/drawingml/2006/main" xmlns:r="http://schemas.openxmlformats.org/officeDocument/2006/relationships" xmlns:p="http://schemas.openxmlformats.org/presentationml/2006/main">
+  <p:cSld>
+    <p:bg>
+      <p:bgPr>
+        <a:gradFill flip="none" rotWithShape="1">
+          <a:gsLst>
+            <a:gs pos="0">
+              <a:schemeClr val="accent1">
+                <a:lumMod val="5000"/>
+                <a:lumOff val="95000"/>
+              </a:schemeClr>
+            </a:gs>
+            <a:gs pos="74000">
+              <a:srgbClr val="95B1D9"/>
+            </a:gs>
+            <a:gs pos="83000">
+              <a:srgbClr val="84A4D4"/>
+            </a:gs>
+            <a:gs pos="100000">
+              <a:srgbClr val="6B91CD"/>
+            </a:gs>
+          </a:gsLst>
+          <a:lin ang="3600000" scaled="0"/>
+          <a:tileRect/>
+        </a:gradFill>
+        <a:effectLst/>
+      </p:bgPr>
+    </p:bg>
+    <p:spTree>
+      <p:nvGrpSpPr>
+        <p:cNvPr id="1" name=""/>
+        <p:cNvGrpSpPr/>
+        <p:nvPr/>
+      </p:nvGrpSpPr>
+      <p:grpSpPr>
+        <a:xfrm>
+          <a:off x="0" y="0"/>
+          <a:ext cx="0" cy="0"/>
+          <a:chOff x="0" y="0"/>
+          <a:chExt cx="0" cy="0"/>
+        </a:xfrm>
+      </p:grpSpPr>
+      <p:sp>
+        <p:nvSpPr>
+          <p:cNvPr id="4" name="직사각형 3">
+            <a:extLst>
+              <a:ext uri="{FF2B5EF4-FFF2-40B4-BE49-F238E27FC236}">
+                <a16:creationId xmlns:a16="http://schemas.microsoft.com/office/drawing/2014/main" id="{F3ABAD8F-53FC-ADE2-38C2-B74B94F28684}"/>
+              </a:ext>
+            </a:extLst>
+          </p:cNvPr>
+          <p:cNvSpPr/>
+          <p:nvPr/>
+        </p:nvSpPr>
+        <p:spPr>
+          <a:xfrm>
+            <a:off x="0" y="0"/>
+            <a:ext cx="12192000" cy="1084081"/>
+          </a:xfrm>
+          <a:prstGeom prst="rect">
+            <a:avLst/>
+          </a:prstGeom>
+          <a:solidFill>
+            <a:srgbClr val="F7F9FC"/>
+          </a:solidFill>
+          <a:ln>
+            <a:noFill/>
+          </a:ln>
+          <a:effectLst>
+            <a:outerShdw blurRad="50800" dist="25400" dir="5400000" algn="ctr" rotWithShape="0">
+              <a:schemeClr val="bg2">
+                <a:lumMod val="75000"/>
+                <a:alpha val="82000"/>
+              </a:schemeClr>
+            </a:outerShdw>
+          </a:effectLst>
+        </p:spPr>
+        <p:style>
+          <a:lnRef idx="2">
+            <a:schemeClr val="accent1">
+              <a:shade val="15000"/>
+            </a:schemeClr>
+          </a:lnRef>
+          <a:fillRef idx="1">
+            <a:schemeClr val="accent1"/>
+          </a:fillRef>
+          <a:effectRef idx="0">
+            <a:schemeClr val="accent1"/>
+          </a:effectRef>
+          <a:fontRef idx="minor">
+            <a:schemeClr val="lt1"/>
+          </a:fontRef>
+        </p:style>
+        <p:txBody>
+          <a:bodyPr rtlCol="0" anchor="ctr"/>
+          <a:lstStyle/>
+          <a:p>
+            <a:pPr algn="ctr"/>
+            <a:endParaRPr lang="ko-KR" altLang="en-US" dirty="0"/>
+          </a:p>
+        </p:txBody>
+      </p:sp>
+      <p:sp>
+        <p:nvSpPr>
+          <p:cNvPr id="6" name="순서도: 수행의 시작/종료 5">
+            <a:hlinkClick r:id="rId2" action="ppaction://hlinksldjump"/>
+            <a:extLst>
+              <a:ext uri="{FF2B5EF4-FFF2-40B4-BE49-F238E27FC236}">
+                <a16:creationId xmlns:a16="http://schemas.microsoft.com/office/drawing/2014/main" id="{571DA51C-D0DC-BF82-D5AB-BE313AA08E45}"/>
+              </a:ext>
+            </a:extLst>
+          </p:cNvPr>
+          <p:cNvSpPr/>
+          <p:nvPr/>
+        </p:nvSpPr>
+        <p:spPr>
+          <a:xfrm>
+            <a:off x="4732259" y="608030"/>
+            <a:ext cx="471342" cy="358219"/>
+          </a:xfrm>
+          <a:prstGeom prst="flowChartTerminator">
+            <a:avLst/>
+          </a:prstGeom>
+          <a:solidFill>
+            <a:srgbClr val="9CB7DC"/>
+          </a:solidFill>
+          <a:ln>
+            <a:noFill/>
+          </a:ln>
+          <a:effectLst>
+            <a:outerShdw blurRad="50800" dist="25400" dir="5400000" algn="ctr" rotWithShape="0">
+              <a:schemeClr val="bg2">
+                <a:lumMod val="75000"/>
+              </a:schemeClr>
+            </a:outerShdw>
+          </a:effectLst>
+        </p:spPr>
+        <p:style>
+          <a:lnRef idx="2">
+            <a:schemeClr val="accent1">
+              <a:shade val="15000"/>
+            </a:schemeClr>
+          </a:lnRef>
+          <a:fillRef idx="1">
+            <a:schemeClr val="accent1"/>
+          </a:fillRef>
+          <a:effectRef idx="0">
+            <a:schemeClr val="accent1"/>
+          </a:effectRef>
+          <a:fontRef idx="minor">
+            <a:schemeClr val="lt1"/>
+          </a:fontRef>
+        </p:style>
+        <p:txBody>
+          <a:bodyPr rtlCol="0" anchor="ctr"/>
+          <a:lstStyle/>
+          <a:p>
+            <a:pPr algn="ctr"/>
+            <a:endParaRPr lang="ko-KR" altLang="en-US"/>
+          </a:p>
+        </p:txBody>
+      </p:sp>
+      <p:sp>
+        <p:nvSpPr>
+          <p:cNvPr id="9" name="순서도: 수행의 시작/종료 8">
+            <a:hlinkClick r:id="rId3" action="ppaction://hlinksldjump"/>
+            <a:extLst>
+              <a:ext uri="{FF2B5EF4-FFF2-40B4-BE49-F238E27FC236}">
+                <a16:creationId xmlns:a16="http://schemas.microsoft.com/office/drawing/2014/main" id="{EBF21949-62D8-2E73-32FB-5A958D60957D}"/>
+              </a:ext>
+            </a:extLst>
+          </p:cNvPr>
+          <p:cNvSpPr/>
+          <p:nvPr/>
+        </p:nvSpPr>
+        <p:spPr>
+          <a:xfrm>
+            <a:off x="5337145" y="619025"/>
+            <a:ext cx="471342" cy="358219"/>
+          </a:xfrm>
+          <a:prstGeom prst="flowChartTerminator">
+            <a:avLst/>
+          </a:prstGeom>
+          <a:solidFill>
+            <a:srgbClr val="9CB7DC"/>
+          </a:solidFill>
+          <a:ln>
+            <a:noFill/>
+          </a:ln>
+          <a:effectLst>
+            <a:outerShdw blurRad="50800" dist="25400" dir="5400000" algn="ctr" rotWithShape="0">
+              <a:schemeClr val="bg2">
+                <a:lumMod val="75000"/>
+              </a:schemeClr>
+            </a:outerShdw>
+          </a:effectLst>
+        </p:spPr>
+        <p:style>
+          <a:lnRef idx="2">
+            <a:schemeClr val="accent1">
+              <a:shade val="15000"/>
+            </a:schemeClr>
+          </a:lnRef>
+          <a:fillRef idx="1">
+            <a:schemeClr val="accent1"/>
+          </a:fillRef>
+          <a:effectRef idx="0">
+            <a:schemeClr val="accent1"/>
+          </a:effectRef>
+          <a:fontRef idx="minor">
+            <a:schemeClr val="lt1"/>
+          </a:fontRef>
+        </p:style>
+        <p:txBody>
+          <a:bodyPr rtlCol="0" anchor="ctr"/>
+          <a:lstStyle/>
+          <a:p>
+            <a:pPr algn="ctr"/>
+            <a:endParaRPr lang="ko-KR" altLang="en-US"/>
+          </a:p>
+        </p:txBody>
+      </p:sp>
+      <p:sp>
+        <p:nvSpPr>
+          <p:cNvPr id="10" name="순서도: 수행의 시작/종료 9">
+            <a:extLst>
+              <a:ext uri="{FF2B5EF4-FFF2-40B4-BE49-F238E27FC236}">
+                <a16:creationId xmlns:a16="http://schemas.microsoft.com/office/drawing/2014/main" id="{411EA97B-53D6-76BF-C975-A1E4A7486F01}"/>
+              </a:ext>
+            </a:extLst>
+          </p:cNvPr>
+          <p:cNvSpPr/>
+          <p:nvPr/>
+        </p:nvSpPr>
+        <p:spPr>
+          <a:xfrm>
+            <a:off x="5942031" y="630020"/>
+            <a:ext cx="471342" cy="358219"/>
+          </a:xfrm>
+          <a:prstGeom prst="flowChartTerminator">
+            <a:avLst/>
+          </a:prstGeom>
+          <a:solidFill>
+            <a:srgbClr val="E8F1F2"/>
+          </a:solidFill>
+          <a:ln>
+            <a:noFill/>
+          </a:ln>
+          <a:effectLst>
+            <a:outerShdw blurRad="50800" dist="25400" dir="5400000" algn="ctr" rotWithShape="0">
+              <a:schemeClr val="bg2">
+                <a:lumMod val="75000"/>
+              </a:schemeClr>
+            </a:outerShdw>
+          </a:effectLst>
+        </p:spPr>
+        <p:style>
+          <a:lnRef idx="2">
+            <a:schemeClr val="accent1">
+              <a:shade val="15000"/>
+            </a:schemeClr>
+          </a:lnRef>
+          <a:fillRef idx="1">
+            <a:schemeClr val="accent1"/>
+          </a:fillRef>
+          <a:effectRef idx="0">
+            <a:schemeClr val="accent1"/>
+          </a:effectRef>
+          <a:fontRef idx="minor">
+            <a:schemeClr val="lt1"/>
+          </a:fontRef>
+        </p:style>
+        <p:txBody>
+          <a:bodyPr rtlCol="0" anchor="ctr"/>
+          <a:lstStyle/>
+          <a:p>
+            <a:pPr algn="ctr"/>
+            <a:endParaRPr lang="ko-KR" altLang="en-US"/>
+          </a:p>
+        </p:txBody>
+      </p:sp>
+      <p:sp>
+        <p:nvSpPr>
+          <p:cNvPr id="11" name="순서도: 수행의 시작/종료 10">
+            <a:hlinkClick r:id="rId4" action="ppaction://hlinksldjump"/>
+            <a:extLst>
+              <a:ext uri="{FF2B5EF4-FFF2-40B4-BE49-F238E27FC236}">
+                <a16:creationId xmlns:a16="http://schemas.microsoft.com/office/drawing/2014/main" id="{F35A162D-0E2B-C6A9-B65F-03288584FE14}"/>
+              </a:ext>
+            </a:extLst>
+          </p:cNvPr>
+          <p:cNvSpPr/>
+          <p:nvPr/>
+        </p:nvSpPr>
+        <p:spPr>
+          <a:xfrm>
+            <a:off x="6546917" y="641015"/>
+            <a:ext cx="471342" cy="358219"/>
+          </a:xfrm>
+          <a:prstGeom prst="flowChartTerminator">
+            <a:avLst/>
+          </a:prstGeom>
+          <a:solidFill>
+            <a:srgbClr val="9CB7DC"/>
+          </a:solidFill>
+          <a:ln>
+            <a:noFill/>
+          </a:ln>
+          <a:effectLst>
+            <a:outerShdw blurRad="50800" dist="25400" dir="5400000" algn="ctr" rotWithShape="0">
+              <a:schemeClr val="bg2">
+                <a:lumMod val="75000"/>
+              </a:schemeClr>
+            </a:outerShdw>
+          </a:effectLst>
+        </p:spPr>
+        <p:style>
+          <a:lnRef idx="2">
+            <a:schemeClr val="accent1">
+              <a:shade val="15000"/>
+            </a:schemeClr>
+          </a:lnRef>
+          <a:fillRef idx="1">
+            <a:schemeClr val="accent1"/>
+          </a:fillRef>
+          <a:effectRef idx="0">
+            <a:schemeClr val="accent1"/>
+          </a:effectRef>
+          <a:fontRef idx="minor">
+            <a:schemeClr val="lt1"/>
+          </a:fontRef>
+        </p:style>
+        <p:txBody>
+          <a:bodyPr rtlCol="0" anchor="ctr"/>
+          <a:lstStyle/>
+          <a:p>
+            <a:pPr algn="ctr"/>
+            <a:endParaRPr lang="ko-KR" altLang="en-US"/>
+          </a:p>
+        </p:txBody>
+      </p:sp>
+      <p:sp>
+        <p:nvSpPr>
+          <p:cNvPr id="12" name="순서도: 수행의 시작/종료 11">
+            <a:hlinkClick r:id="rId5" action="ppaction://hlinksldjump"/>
+            <a:extLst>
+              <a:ext uri="{FF2B5EF4-FFF2-40B4-BE49-F238E27FC236}">
+                <a16:creationId xmlns:a16="http://schemas.microsoft.com/office/drawing/2014/main" id="{1BF947AF-224A-66D8-48D7-0A0F72045543}"/>
+              </a:ext>
+            </a:extLst>
+          </p:cNvPr>
+          <p:cNvSpPr/>
+          <p:nvPr/>
+        </p:nvSpPr>
+        <p:spPr>
+          <a:xfrm>
+            <a:off x="7151803" y="652010"/>
+            <a:ext cx="471342" cy="358219"/>
+          </a:xfrm>
+          <a:prstGeom prst="flowChartTerminator">
+            <a:avLst/>
+          </a:prstGeom>
+          <a:solidFill>
+            <a:srgbClr val="9CB7DC"/>
+          </a:solidFill>
+          <a:ln>
+            <a:noFill/>
+          </a:ln>
+          <a:effectLst>
+            <a:outerShdw blurRad="50800" dist="25400" dir="5400000" algn="ctr" rotWithShape="0">
+              <a:schemeClr val="bg2">
+                <a:lumMod val="75000"/>
+              </a:schemeClr>
+            </a:outerShdw>
+          </a:effectLst>
+        </p:spPr>
+        <p:style>
+          <a:lnRef idx="2">
+            <a:schemeClr val="accent1">
+              <a:shade val="15000"/>
+            </a:schemeClr>
+          </a:lnRef>
+          <a:fillRef idx="1">
+            <a:schemeClr val="accent1"/>
+          </a:fillRef>
+          <a:effectRef idx="0">
+            <a:schemeClr val="accent1"/>
+          </a:effectRef>
+          <a:fontRef idx="minor">
+            <a:schemeClr val="lt1"/>
+          </a:fontRef>
+        </p:style>
+        <p:txBody>
+          <a:bodyPr rtlCol="0" anchor="ctr"/>
+          <a:lstStyle/>
+          <a:p>
+            <a:pPr algn="ctr"/>
+            <a:endParaRPr lang="ko-KR" altLang="en-US"/>
+          </a:p>
+        </p:txBody>
+      </p:sp>
+      <p:pic>
+        <p:nvPicPr>
+          <p:cNvPr id="18" name="그림 17">
+            <a:hlinkClick r:id="rId4" action="ppaction://hlinksldjump"/>
+            <a:extLst>
+              <a:ext uri="{FF2B5EF4-FFF2-40B4-BE49-F238E27FC236}">
+                <a16:creationId xmlns:a16="http://schemas.microsoft.com/office/drawing/2014/main" id="{D8E6F84F-3C48-4B9A-BD6C-B31F1C1B6925}"/>
+              </a:ext>
+            </a:extLst>
+          </p:cNvPr>
+          <p:cNvPicPr>
+            <a:picLocks noChangeAspect="1"/>
+          </p:cNvPicPr>
+          <p:nvPr/>
+        </p:nvPicPr>
+        <p:blipFill>
+          <a:blip r:embed="rId6"/>
+          <a:stretch>
+            <a:fillRect/>
+          </a:stretch>
+        </p:blipFill>
+        <p:spPr>
+          <a:xfrm>
+            <a:off x="6577238" y="687070"/>
+            <a:ext cx="355023" cy="294409"/>
+          </a:xfrm>
+          <a:prstGeom prst="rect">
+            <a:avLst/>
+          </a:prstGeom>
+        </p:spPr>
+      </p:pic>
+      <p:pic>
+        <p:nvPicPr>
+          <p:cNvPr id="20" name="그림 19">
+            <a:hlinkClick r:id="rId5" action="ppaction://hlinksldjump"/>
+            <a:extLst>
+              <a:ext uri="{FF2B5EF4-FFF2-40B4-BE49-F238E27FC236}">
+                <a16:creationId xmlns:a16="http://schemas.microsoft.com/office/drawing/2014/main" id="{503DB56B-720C-BBF2-F01E-82111DC85096}"/>
+              </a:ext>
+            </a:extLst>
+          </p:cNvPr>
+          <p:cNvPicPr>
+            <a:picLocks noChangeAspect="1"/>
+          </p:cNvPicPr>
+          <p:nvPr/>
+        </p:nvPicPr>
+        <p:blipFill>
+          <a:blip r:embed="rId7"/>
+          <a:stretch>
+            <a:fillRect/>
+          </a:stretch>
+        </p:blipFill>
+        <p:spPr>
+          <a:xfrm>
+            <a:off x="7237908" y="671597"/>
+            <a:ext cx="299132" cy="291260"/>
+          </a:xfrm>
+          <a:prstGeom prst="rect">
+            <a:avLst/>
+          </a:prstGeom>
+        </p:spPr>
+      </p:pic>
+      <p:sp>
+        <p:nvSpPr>
+          <p:cNvPr id="21" name="TextBox 20">
+            <a:extLst>
+              <a:ext uri="{FF2B5EF4-FFF2-40B4-BE49-F238E27FC236}">
+                <a16:creationId xmlns:a16="http://schemas.microsoft.com/office/drawing/2014/main" id="{78571FF7-6D80-6CD3-4B76-86ABC0877E45}"/>
+              </a:ext>
+            </a:extLst>
+          </p:cNvPr>
+          <p:cNvSpPr txBox="1"/>
+          <p:nvPr/>
+        </p:nvSpPr>
+        <p:spPr>
+          <a:xfrm>
+            <a:off x="5454978" y="153851"/>
+            <a:ext cx="1459584" cy="369332"/>
+          </a:xfrm>
+          <a:prstGeom prst="rect">
+            <a:avLst/>
+          </a:prstGeom>
+          <a:noFill/>
+        </p:spPr>
+        <p:txBody>
+          <a:bodyPr wrap="square" rtlCol="0">
+            <a:spAutoFit/>
+          </a:bodyPr>
+          <a:lstStyle/>
+          <a:p>
+            <a:pPr algn="ctr"/>
+            <a:r>
+              <a:rPr lang="en-US" altLang="ko-KR" b="1" i="0" dirty="0">
+                <a:solidFill>
+                  <a:srgbClr val="333333"/>
+                </a:solidFill>
+                <a:effectLst/>
+                <a:latin typeface="Roboto" panose="02000000000000000000" pitchFamily="2" charset="0"/>
+              </a:rPr>
+              <a:t>PORTFOLIO</a:t>
+            </a:r>
+          </a:p>
+        </p:txBody>
+      </p:sp>
+      <p:pic>
+        <p:nvPicPr>
+          <p:cNvPr id="3" name="그림 2">
+            <a:hlinkClick r:id="rId2" action="ppaction://hlinksldjump"/>
+            <a:extLst>
+              <a:ext uri="{FF2B5EF4-FFF2-40B4-BE49-F238E27FC236}">
+                <a16:creationId xmlns:a16="http://schemas.microsoft.com/office/drawing/2014/main" id="{516B5730-C3F9-1DF9-8A6D-FB3B358C4BE7}"/>
+              </a:ext>
+            </a:extLst>
+          </p:cNvPr>
+          <p:cNvPicPr>
+            <a:picLocks noChangeAspect="1"/>
+          </p:cNvPicPr>
+          <p:nvPr/>
+        </p:nvPicPr>
+        <p:blipFill>
+          <a:blip r:embed="rId8"/>
+          <a:stretch>
+            <a:fillRect/>
+          </a:stretch>
+        </p:blipFill>
+        <p:spPr>
+          <a:xfrm>
+            <a:off x="4803556" y="651956"/>
+            <a:ext cx="307005" cy="330620"/>
+          </a:xfrm>
+          <a:prstGeom prst="rect">
+            <a:avLst/>
+          </a:prstGeom>
+        </p:spPr>
+      </p:pic>
+      <p:pic>
+        <p:nvPicPr>
+          <p:cNvPr id="2" name="그림 1">
+            <a:hlinkClick r:id="rId3" action="ppaction://hlinksldjump"/>
+            <a:extLst>
+              <a:ext uri="{FF2B5EF4-FFF2-40B4-BE49-F238E27FC236}">
+                <a16:creationId xmlns:a16="http://schemas.microsoft.com/office/drawing/2014/main" id="{5CA148E6-89D5-93A1-FF49-453C8701EB47}"/>
+              </a:ext>
+            </a:extLst>
+          </p:cNvPr>
+          <p:cNvPicPr>
+            <a:picLocks noChangeAspect="1"/>
+          </p:cNvPicPr>
+          <p:nvPr/>
+        </p:nvPicPr>
+        <p:blipFill>
+          <a:blip r:embed="rId9"/>
+          <a:stretch>
+            <a:fillRect/>
+          </a:stretch>
+        </p:blipFill>
+        <p:spPr>
+          <a:xfrm>
+            <a:off x="5429940" y="649107"/>
+            <a:ext cx="285750" cy="303068"/>
+          </a:xfrm>
+          <a:prstGeom prst="rect">
+            <a:avLst/>
+          </a:prstGeom>
+        </p:spPr>
+      </p:pic>
+      <p:pic>
+        <p:nvPicPr>
+          <p:cNvPr id="8" name="그림 7">
+            <a:extLst>
+              <a:ext uri="{FF2B5EF4-FFF2-40B4-BE49-F238E27FC236}">
+                <a16:creationId xmlns:a16="http://schemas.microsoft.com/office/drawing/2014/main" id="{3EE14508-8602-0FA3-6A8D-FD3D27AAC005}"/>
+              </a:ext>
+            </a:extLst>
+          </p:cNvPr>
+          <p:cNvPicPr>
+            <a:picLocks noChangeAspect="1"/>
+          </p:cNvPicPr>
+          <p:nvPr/>
+        </p:nvPicPr>
+        <p:blipFill>
+          <a:blip r:embed="rId10"/>
+          <a:stretch>
+            <a:fillRect/>
+          </a:stretch>
+        </p:blipFill>
+        <p:spPr>
+          <a:xfrm>
+            <a:off x="6017796" y="662750"/>
+            <a:ext cx="305768" cy="292756"/>
+          </a:xfrm>
+          <a:prstGeom prst="rect">
+            <a:avLst/>
+          </a:prstGeom>
+        </p:spPr>
+      </p:pic>
+    </p:spTree>
+    <p:extLst>
+      <p:ext uri="{BB962C8B-B14F-4D97-AF65-F5344CB8AC3E}">
+        <p14:creationId xmlns:p14="http://schemas.microsoft.com/office/powerpoint/2010/main" val="1976955124"/>
+      </p:ext>
+    </p:extLst>
+  </p:cSld>
+  <p:clrMapOvr>
+    <a:masterClrMapping/>
+  </p:clrMapOvr>
+</p:sld>
+</file>
+
+<file path=ppt/slides/slide7.xml><?xml version="1.0" encoding="utf-8"?>
+<p:sld xmlns:a="http://schemas.openxmlformats.org/drawingml/2006/main" xmlns:r="http://schemas.openxmlformats.org/officeDocument/2006/relationships" xmlns:p="http://schemas.openxmlformats.org/presentationml/2006/main">
+  <p:cSld>
+    <p:bg>
+      <p:bgPr>
+        <a:gradFill flip="none" rotWithShape="1">
+          <a:gsLst>
+            <a:gs pos="0">
+              <a:schemeClr val="accent1">
+                <a:lumMod val="5000"/>
+                <a:lumOff val="95000"/>
+              </a:schemeClr>
+            </a:gs>
+            <a:gs pos="74000">
+              <a:srgbClr val="95B1D9"/>
+            </a:gs>
+            <a:gs pos="83000">
+              <a:srgbClr val="84A4D4"/>
+            </a:gs>
+            <a:gs pos="100000">
+              <a:srgbClr val="6B91CD"/>
+            </a:gs>
+          </a:gsLst>
+          <a:lin ang="3600000" scaled="0"/>
+          <a:tileRect/>
+        </a:gradFill>
+        <a:effectLst/>
+      </p:bgPr>
+    </p:bg>
+    <p:spTree>
+      <p:nvGrpSpPr>
+        <p:cNvPr id="1" name=""/>
+        <p:cNvGrpSpPr/>
+        <p:nvPr/>
+      </p:nvGrpSpPr>
+      <p:grpSpPr>
+        <a:xfrm>
+          <a:off x="0" y="0"/>
+          <a:ext cx="0" cy="0"/>
+          <a:chOff x="0" y="0"/>
+          <a:chExt cx="0" cy="0"/>
+        </a:xfrm>
+      </p:grpSpPr>
+      <p:sp>
+        <p:nvSpPr>
+          <p:cNvPr id="4" name="직사각형 3">
+            <a:extLst>
+              <a:ext uri="{FF2B5EF4-FFF2-40B4-BE49-F238E27FC236}">
+                <a16:creationId xmlns:a16="http://schemas.microsoft.com/office/drawing/2014/main" id="{F3ABAD8F-53FC-ADE2-38C2-B74B94F28684}"/>
+              </a:ext>
+            </a:extLst>
+          </p:cNvPr>
+          <p:cNvSpPr/>
+          <p:nvPr/>
+        </p:nvSpPr>
+        <p:spPr>
+          <a:xfrm>
+            <a:off x="0" y="0"/>
+            <a:ext cx="12192000" cy="1084081"/>
+          </a:xfrm>
+          <a:prstGeom prst="rect">
+            <a:avLst/>
+          </a:prstGeom>
+          <a:solidFill>
+            <a:srgbClr val="F7F9FC"/>
+          </a:solidFill>
+          <a:ln>
+            <a:noFill/>
+          </a:ln>
+          <a:effectLst>
+            <a:outerShdw blurRad="50800" dist="25400" dir="5400000" algn="ctr" rotWithShape="0">
+              <a:schemeClr val="bg2">
+                <a:lumMod val="75000"/>
+                <a:alpha val="82000"/>
+              </a:schemeClr>
+            </a:outerShdw>
+          </a:effectLst>
+        </p:spPr>
+        <p:style>
+          <a:lnRef idx="2">
+            <a:schemeClr val="accent1">
+              <a:shade val="15000"/>
+            </a:schemeClr>
+          </a:lnRef>
+          <a:fillRef idx="1">
+            <a:schemeClr val="accent1"/>
+          </a:fillRef>
+          <a:effectRef idx="0">
+            <a:schemeClr val="accent1"/>
+          </a:effectRef>
+          <a:fontRef idx="minor">
+            <a:schemeClr val="lt1"/>
+          </a:fontRef>
+        </p:style>
+        <p:txBody>
+          <a:bodyPr rtlCol="0" anchor="ctr"/>
+          <a:lstStyle/>
+          <a:p>
+            <a:pPr algn="ctr"/>
+            <a:endParaRPr lang="ko-KR" altLang="en-US" dirty="0"/>
+          </a:p>
+        </p:txBody>
+      </p:sp>
+      <p:sp>
+        <p:nvSpPr>
+          <p:cNvPr id="6" name="순서도: 수행의 시작/종료 5">
+            <a:extLst>
+              <a:ext uri="{FF2B5EF4-FFF2-40B4-BE49-F238E27FC236}">
+                <a16:creationId xmlns:a16="http://schemas.microsoft.com/office/drawing/2014/main" id="{571DA51C-D0DC-BF82-D5AB-BE313AA08E45}"/>
+              </a:ext>
+            </a:extLst>
+          </p:cNvPr>
+          <p:cNvSpPr/>
+          <p:nvPr/>
+        </p:nvSpPr>
+        <p:spPr>
+          <a:xfrm>
+            <a:off x="4732259" y="608030"/>
+            <a:ext cx="471342" cy="358219"/>
+          </a:xfrm>
+          <a:prstGeom prst="flowChartTerminator">
+            <a:avLst/>
+          </a:prstGeom>
+          <a:solidFill>
+            <a:srgbClr val="9CB7DC"/>
+          </a:solidFill>
+          <a:ln>
+            <a:noFill/>
+          </a:ln>
+          <a:effectLst>
+            <a:outerShdw blurRad="50800" dist="25400" dir="5400000" algn="ctr" rotWithShape="0">
+              <a:schemeClr val="bg2">
+                <a:lumMod val="75000"/>
+              </a:schemeClr>
+            </a:outerShdw>
+          </a:effectLst>
+        </p:spPr>
+        <p:style>
+          <a:lnRef idx="2">
+            <a:schemeClr val="accent1">
+              <a:shade val="15000"/>
+            </a:schemeClr>
+          </a:lnRef>
+          <a:fillRef idx="1">
+            <a:schemeClr val="accent1"/>
+          </a:fillRef>
+          <a:effectRef idx="0">
+            <a:schemeClr val="accent1"/>
+          </a:effectRef>
+          <a:fontRef idx="minor">
+            <a:schemeClr val="lt1"/>
+          </a:fontRef>
+        </p:style>
+        <p:txBody>
+          <a:bodyPr rtlCol="0" anchor="ctr"/>
+          <a:lstStyle/>
+          <a:p>
+            <a:pPr algn="ctr"/>
+            <a:endParaRPr lang="ko-KR" altLang="en-US"/>
+          </a:p>
+        </p:txBody>
+      </p:sp>
+      <p:sp>
+        <p:nvSpPr>
+          <p:cNvPr id="9" name="순서도: 수행의 시작/종료 8">
+            <a:extLst>
+              <a:ext uri="{FF2B5EF4-FFF2-40B4-BE49-F238E27FC236}">
+                <a16:creationId xmlns:a16="http://schemas.microsoft.com/office/drawing/2014/main" id="{EBF21949-62D8-2E73-32FB-5A958D60957D}"/>
+              </a:ext>
+            </a:extLst>
+          </p:cNvPr>
+          <p:cNvSpPr/>
+          <p:nvPr/>
+        </p:nvSpPr>
+        <p:spPr>
+          <a:xfrm>
+            <a:off x="5337145" y="619025"/>
+            <a:ext cx="471342" cy="358219"/>
+          </a:xfrm>
+          <a:prstGeom prst="flowChartTerminator">
+            <a:avLst/>
+          </a:prstGeom>
+          <a:solidFill>
+            <a:srgbClr val="9CB7DC"/>
+          </a:solidFill>
+          <a:ln>
+            <a:noFill/>
+          </a:ln>
+          <a:effectLst>
+            <a:outerShdw blurRad="50800" dist="25400" dir="5400000" algn="ctr" rotWithShape="0">
+              <a:schemeClr val="bg2">
+                <a:lumMod val="75000"/>
+              </a:schemeClr>
+            </a:outerShdw>
+          </a:effectLst>
+        </p:spPr>
+        <p:style>
+          <a:lnRef idx="2">
+            <a:schemeClr val="accent1">
+              <a:shade val="15000"/>
+            </a:schemeClr>
+          </a:lnRef>
+          <a:fillRef idx="1">
+            <a:schemeClr val="accent1"/>
+          </a:fillRef>
+          <a:effectRef idx="0">
+            <a:schemeClr val="accent1"/>
+          </a:effectRef>
+          <a:fontRef idx="minor">
+            <a:schemeClr val="lt1"/>
+          </a:fontRef>
+        </p:style>
+        <p:txBody>
+          <a:bodyPr rtlCol="0" anchor="ctr"/>
+          <a:lstStyle/>
+          <a:p>
+            <a:pPr algn="ctr"/>
+            <a:endParaRPr lang="ko-KR" altLang="en-US"/>
+          </a:p>
+        </p:txBody>
+      </p:sp>
+      <p:sp>
+        <p:nvSpPr>
+          <p:cNvPr id="10" name="순서도: 수행의 시작/종료 9">
+            <a:extLst>
+              <a:ext uri="{FF2B5EF4-FFF2-40B4-BE49-F238E27FC236}">
+                <a16:creationId xmlns:a16="http://schemas.microsoft.com/office/drawing/2014/main" id="{411EA97B-53D6-76BF-C975-A1E4A7486F01}"/>
+              </a:ext>
+            </a:extLst>
+          </p:cNvPr>
+          <p:cNvSpPr/>
+          <p:nvPr/>
+        </p:nvSpPr>
+        <p:spPr>
+          <a:xfrm>
+            <a:off x="5942031" y="630020"/>
             <a:ext cx="471342" cy="358219"/>
           </a:xfrm>
           <a:prstGeom prst="flowChartTerminator">
@@ -6220,7 +9002,7 @@
         </p:nvSpPr>
         <p:spPr>
           <a:xfrm>
-            <a:off x="6254683" y="641015"/>
+            <a:off x="6546917" y="641015"/>
             <a:ext cx="471342" cy="358219"/>
           </a:xfrm>
           <a:prstGeom prst="flowChartTerminator">
@@ -6279,7 +9061,7 @@
         </p:nvSpPr>
         <p:spPr>
           <a:xfrm>
-            <a:off x="6859569" y="652010"/>
+            <a:off x="7151803" y="652010"/>
             <a:ext cx="471342" cy="358219"/>
           </a:xfrm>
           <a:prstGeom prst="flowChartTerminator">
@@ -6327,6 +9109,7 @@
       <p:pic>
         <p:nvPicPr>
           <p:cNvPr id="20" name="그림 19">
+            <a:hlinkClick r:id="rId2" action="ppaction://hlinksldjump"/>
             <a:extLst>
               <a:ext uri="{FF2B5EF4-FFF2-40B4-BE49-F238E27FC236}">
                 <a16:creationId xmlns:a16="http://schemas.microsoft.com/office/drawing/2014/main" id="{503DB56B-720C-BBF2-F01E-82111DC85096}"/>
@@ -6339,14 +9122,14 @@
           <p:nvPr/>
         </p:nvPicPr>
         <p:blipFill>
-          <a:blip r:embed="rId2"/>
+          <a:blip r:embed="rId3"/>
           <a:stretch>
             <a:fillRect/>
           </a:stretch>
         </p:blipFill>
         <p:spPr>
           <a:xfrm>
-            <a:off x="6945674" y="671597"/>
+            <a:off x="7237908" y="671597"/>
             <a:ext cx="299132" cy="291260"/>
           </a:xfrm>
           <a:prstGeom prst="rect">
@@ -6368,7 +9151,7 @@
         </p:nvSpPr>
         <p:spPr>
           <a:xfrm>
-            <a:off x="5162744" y="153851"/>
+            <a:off x="5454978" y="153851"/>
             <a:ext cx="1459584" cy="369332"/>
           </a:xfrm>
           <a:prstGeom prst="rect">
@@ -6399,6 +9182,583 @@
       <p:pic>
         <p:nvPicPr>
           <p:cNvPr id="3" name="그림 2">
+            <a:hlinkClick r:id="rId4" action="ppaction://hlinksldjump"/>
+            <a:extLst>
+              <a:ext uri="{FF2B5EF4-FFF2-40B4-BE49-F238E27FC236}">
+                <a16:creationId xmlns:a16="http://schemas.microsoft.com/office/drawing/2014/main" id="{516B5730-C3F9-1DF9-8A6D-FB3B358C4BE7}"/>
+              </a:ext>
+            </a:extLst>
+          </p:cNvPr>
+          <p:cNvPicPr>
+            <a:picLocks noChangeAspect="1"/>
+          </p:cNvPicPr>
+          <p:nvPr/>
+        </p:nvPicPr>
+        <p:blipFill>
+          <a:blip r:embed="rId5"/>
+          <a:stretch>
+            <a:fillRect/>
+          </a:stretch>
+        </p:blipFill>
+        <p:spPr>
+          <a:xfrm>
+            <a:off x="4803556" y="651956"/>
+            <a:ext cx="307005" cy="330620"/>
+          </a:xfrm>
+          <a:prstGeom prst="rect">
+            <a:avLst/>
+          </a:prstGeom>
+        </p:spPr>
+      </p:pic>
+      <p:pic>
+        <p:nvPicPr>
+          <p:cNvPr id="2" name="그림 1">
+            <a:hlinkClick r:id="rId6" action="ppaction://hlinksldjump"/>
+            <a:extLst>
+              <a:ext uri="{FF2B5EF4-FFF2-40B4-BE49-F238E27FC236}">
+                <a16:creationId xmlns:a16="http://schemas.microsoft.com/office/drawing/2014/main" id="{5CA148E6-89D5-93A1-FF49-453C8701EB47}"/>
+              </a:ext>
+            </a:extLst>
+          </p:cNvPr>
+          <p:cNvPicPr>
+            <a:picLocks noChangeAspect="1"/>
+          </p:cNvPicPr>
+          <p:nvPr/>
+        </p:nvPicPr>
+        <p:blipFill>
+          <a:blip r:embed="rId7"/>
+          <a:stretch>
+            <a:fillRect/>
+          </a:stretch>
+        </p:blipFill>
+        <p:spPr>
+          <a:xfrm>
+            <a:off x="5429940" y="649107"/>
+            <a:ext cx="285750" cy="303068"/>
+          </a:xfrm>
+          <a:prstGeom prst="rect">
+            <a:avLst/>
+          </a:prstGeom>
+        </p:spPr>
+      </p:pic>
+      <p:pic>
+        <p:nvPicPr>
+          <p:cNvPr id="7" name="그림 6">
+            <a:extLst>
+              <a:ext uri="{FF2B5EF4-FFF2-40B4-BE49-F238E27FC236}">
+                <a16:creationId xmlns:a16="http://schemas.microsoft.com/office/drawing/2014/main" id="{FB93DC34-5D3B-EB7B-7FA2-7B59EA3EB2F4}"/>
+              </a:ext>
+            </a:extLst>
+          </p:cNvPr>
+          <p:cNvPicPr>
+            <a:picLocks noChangeAspect="1"/>
+          </p:cNvPicPr>
+          <p:nvPr/>
+        </p:nvPicPr>
+        <p:blipFill>
+          <a:blip r:embed="rId8"/>
+          <a:stretch>
+            <a:fillRect/>
+          </a:stretch>
+        </p:blipFill>
+        <p:spPr>
+          <a:xfrm>
+            <a:off x="6610533" y="664050"/>
+            <a:ext cx="336345" cy="314876"/>
+          </a:xfrm>
+          <a:prstGeom prst="rect">
+            <a:avLst/>
+          </a:prstGeom>
+        </p:spPr>
+      </p:pic>
+      <p:pic>
+        <p:nvPicPr>
+          <p:cNvPr id="8" name="그림 7">
+            <a:hlinkClick r:id="rId9" action="ppaction://hlinksldjump"/>
+            <a:extLst>
+              <a:ext uri="{FF2B5EF4-FFF2-40B4-BE49-F238E27FC236}">
+                <a16:creationId xmlns:a16="http://schemas.microsoft.com/office/drawing/2014/main" id="{7407CB88-218F-3D6A-1B27-8D16BA6DE8FC}"/>
+              </a:ext>
+            </a:extLst>
+          </p:cNvPr>
+          <p:cNvPicPr>
+            <a:picLocks noChangeAspect="1"/>
+          </p:cNvPicPr>
+          <p:nvPr/>
+        </p:nvPicPr>
+        <p:blipFill>
+          <a:blip r:embed="rId10"/>
+          <a:stretch>
+            <a:fillRect/>
+          </a:stretch>
+        </p:blipFill>
+        <p:spPr>
+          <a:xfrm>
+            <a:off x="6030998" y="668351"/>
+            <a:ext cx="293407" cy="279095"/>
+          </a:xfrm>
+          <a:prstGeom prst="rect">
+            <a:avLst/>
+          </a:prstGeom>
+        </p:spPr>
+      </p:pic>
+    </p:spTree>
+    <p:extLst>
+      <p:ext uri="{BB962C8B-B14F-4D97-AF65-F5344CB8AC3E}">
+        <p14:creationId xmlns:p14="http://schemas.microsoft.com/office/powerpoint/2010/main" val="2360749495"/>
+      </p:ext>
+    </p:extLst>
+  </p:cSld>
+  <p:clrMapOvr>
+    <a:masterClrMapping/>
+  </p:clrMapOvr>
+</p:sld>
+</file>
+
+<file path=ppt/slides/slide8.xml><?xml version="1.0" encoding="utf-8"?>
+<p:sld xmlns:a="http://schemas.openxmlformats.org/drawingml/2006/main" xmlns:r="http://schemas.openxmlformats.org/officeDocument/2006/relationships" xmlns:p="http://schemas.openxmlformats.org/presentationml/2006/main">
+  <p:cSld>
+    <p:bg>
+      <p:bgPr>
+        <a:gradFill flip="none" rotWithShape="1">
+          <a:gsLst>
+            <a:gs pos="0">
+              <a:schemeClr val="accent1">
+                <a:lumMod val="5000"/>
+                <a:lumOff val="95000"/>
+              </a:schemeClr>
+            </a:gs>
+            <a:gs pos="74000">
+              <a:srgbClr val="95B1D9"/>
+            </a:gs>
+            <a:gs pos="83000">
+              <a:srgbClr val="84A4D4"/>
+            </a:gs>
+            <a:gs pos="100000">
+              <a:srgbClr val="6B91CD"/>
+            </a:gs>
+          </a:gsLst>
+          <a:lin ang="3600000" scaled="0"/>
+          <a:tileRect/>
+        </a:gradFill>
+        <a:effectLst/>
+      </p:bgPr>
+    </p:bg>
+    <p:spTree>
+      <p:nvGrpSpPr>
+        <p:cNvPr id="1" name=""/>
+        <p:cNvGrpSpPr/>
+        <p:nvPr/>
+      </p:nvGrpSpPr>
+      <p:grpSpPr>
+        <a:xfrm>
+          <a:off x="0" y="0"/>
+          <a:ext cx="0" cy="0"/>
+          <a:chOff x="0" y="0"/>
+          <a:chExt cx="0" cy="0"/>
+        </a:xfrm>
+      </p:grpSpPr>
+      <p:sp>
+        <p:nvSpPr>
+          <p:cNvPr id="4" name="직사각형 3">
+            <a:extLst>
+              <a:ext uri="{FF2B5EF4-FFF2-40B4-BE49-F238E27FC236}">
+                <a16:creationId xmlns:a16="http://schemas.microsoft.com/office/drawing/2014/main" id="{F3ABAD8F-53FC-ADE2-38C2-B74B94F28684}"/>
+              </a:ext>
+            </a:extLst>
+          </p:cNvPr>
+          <p:cNvSpPr/>
+          <p:nvPr/>
+        </p:nvSpPr>
+        <p:spPr>
+          <a:xfrm>
+            <a:off x="0" y="0"/>
+            <a:ext cx="12192000" cy="1084081"/>
+          </a:xfrm>
+          <a:prstGeom prst="rect">
+            <a:avLst/>
+          </a:prstGeom>
+          <a:solidFill>
+            <a:srgbClr val="F7F9FC"/>
+          </a:solidFill>
+          <a:ln>
+            <a:noFill/>
+          </a:ln>
+          <a:effectLst>
+            <a:outerShdw blurRad="50800" dist="25400" dir="5400000" algn="ctr" rotWithShape="0">
+              <a:schemeClr val="bg2">
+                <a:lumMod val="75000"/>
+                <a:alpha val="82000"/>
+              </a:schemeClr>
+            </a:outerShdw>
+          </a:effectLst>
+        </p:spPr>
+        <p:style>
+          <a:lnRef idx="2">
+            <a:schemeClr val="accent1">
+              <a:shade val="15000"/>
+            </a:schemeClr>
+          </a:lnRef>
+          <a:fillRef idx="1">
+            <a:schemeClr val="accent1"/>
+          </a:fillRef>
+          <a:effectRef idx="0">
+            <a:schemeClr val="accent1"/>
+          </a:effectRef>
+          <a:fontRef idx="minor">
+            <a:schemeClr val="lt1"/>
+          </a:fontRef>
+        </p:style>
+        <p:txBody>
+          <a:bodyPr rtlCol="0" anchor="ctr"/>
+          <a:lstStyle/>
+          <a:p>
+            <a:pPr algn="ctr"/>
+            <a:endParaRPr lang="ko-KR" altLang="en-US" dirty="0"/>
+          </a:p>
+        </p:txBody>
+      </p:sp>
+      <p:sp>
+        <p:nvSpPr>
+          <p:cNvPr id="6" name="순서도: 수행의 시작/종료 5">
+            <a:extLst>
+              <a:ext uri="{FF2B5EF4-FFF2-40B4-BE49-F238E27FC236}">
+                <a16:creationId xmlns:a16="http://schemas.microsoft.com/office/drawing/2014/main" id="{571DA51C-D0DC-BF82-D5AB-BE313AA08E45}"/>
+              </a:ext>
+            </a:extLst>
+          </p:cNvPr>
+          <p:cNvSpPr/>
+          <p:nvPr/>
+        </p:nvSpPr>
+        <p:spPr>
+          <a:xfrm>
+            <a:off x="4732259" y="608030"/>
+            <a:ext cx="471342" cy="358219"/>
+          </a:xfrm>
+          <a:prstGeom prst="flowChartTerminator">
+            <a:avLst/>
+          </a:prstGeom>
+          <a:solidFill>
+            <a:srgbClr val="9CB7DC"/>
+          </a:solidFill>
+          <a:ln>
+            <a:noFill/>
+          </a:ln>
+          <a:effectLst>
+            <a:outerShdw blurRad="50800" dist="25400" dir="5400000" algn="ctr" rotWithShape="0">
+              <a:schemeClr val="bg2">
+                <a:lumMod val="75000"/>
+              </a:schemeClr>
+            </a:outerShdw>
+          </a:effectLst>
+        </p:spPr>
+        <p:style>
+          <a:lnRef idx="2">
+            <a:schemeClr val="accent1">
+              <a:shade val="15000"/>
+            </a:schemeClr>
+          </a:lnRef>
+          <a:fillRef idx="1">
+            <a:schemeClr val="accent1"/>
+          </a:fillRef>
+          <a:effectRef idx="0">
+            <a:schemeClr val="accent1"/>
+          </a:effectRef>
+          <a:fontRef idx="minor">
+            <a:schemeClr val="lt1"/>
+          </a:fontRef>
+        </p:style>
+        <p:txBody>
+          <a:bodyPr rtlCol="0" anchor="ctr"/>
+          <a:lstStyle/>
+          <a:p>
+            <a:pPr algn="ctr"/>
+            <a:endParaRPr lang="ko-KR" altLang="en-US"/>
+          </a:p>
+        </p:txBody>
+      </p:sp>
+      <p:sp>
+        <p:nvSpPr>
+          <p:cNvPr id="9" name="순서도: 수행의 시작/종료 8">
+            <a:extLst>
+              <a:ext uri="{FF2B5EF4-FFF2-40B4-BE49-F238E27FC236}">
+                <a16:creationId xmlns:a16="http://schemas.microsoft.com/office/drawing/2014/main" id="{EBF21949-62D8-2E73-32FB-5A958D60957D}"/>
+              </a:ext>
+            </a:extLst>
+          </p:cNvPr>
+          <p:cNvSpPr/>
+          <p:nvPr/>
+        </p:nvSpPr>
+        <p:spPr>
+          <a:xfrm>
+            <a:off x="5337145" y="619025"/>
+            <a:ext cx="471342" cy="358219"/>
+          </a:xfrm>
+          <a:prstGeom prst="flowChartTerminator">
+            <a:avLst/>
+          </a:prstGeom>
+          <a:solidFill>
+            <a:srgbClr val="9CB7DC"/>
+          </a:solidFill>
+          <a:ln>
+            <a:noFill/>
+          </a:ln>
+          <a:effectLst>
+            <a:outerShdw blurRad="50800" dist="25400" dir="5400000" algn="ctr" rotWithShape="0">
+              <a:schemeClr val="bg2">
+                <a:lumMod val="75000"/>
+              </a:schemeClr>
+            </a:outerShdw>
+          </a:effectLst>
+        </p:spPr>
+        <p:style>
+          <a:lnRef idx="2">
+            <a:schemeClr val="accent1">
+              <a:shade val="15000"/>
+            </a:schemeClr>
+          </a:lnRef>
+          <a:fillRef idx="1">
+            <a:schemeClr val="accent1"/>
+          </a:fillRef>
+          <a:effectRef idx="0">
+            <a:schemeClr val="accent1"/>
+          </a:effectRef>
+          <a:fontRef idx="minor">
+            <a:schemeClr val="lt1"/>
+          </a:fontRef>
+        </p:style>
+        <p:txBody>
+          <a:bodyPr rtlCol="0" anchor="ctr"/>
+          <a:lstStyle/>
+          <a:p>
+            <a:pPr algn="ctr"/>
+            <a:endParaRPr lang="ko-KR" altLang="en-US"/>
+          </a:p>
+        </p:txBody>
+      </p:sp>
+      <p:sp>
+        <p:nvSpPr>
+          <p:cNvPr id="10" name="순서도: 수행의 시작/종료 9">
+            <a:extLst>
+              <a:ext uri="{FF2B5EF4-FFF2-40B4-BE49-F238E27FC236}">
+                <a16:creationId xmlns:a16="http://schemas.microsoft.com/office/drawing/2014/main" id="{411EA97B-53D6-76BF-C975-A1E4A7486F01}"/>
+              </a:ext>
+            </a:extLst>
+          </p:cNvPr>
+          <p:cNvSpPr/>
+          <p:nvPr/>
+        </p:nvSpPr>
+        <p:spPr>
+          <a:xfrm>
+            <a:off x="5942031" y="630020"/>
+            <a:ext cx="471342" cy="358219"/>
+          </a:xfrm>
+          <a:prstGeom prst="flowChartTerminator">
+            <a:avLst/>
+          </a:prstGeom>
+          <a:solidFill>
+            <a:srgbClr val="95B1D9"/>
+          </a:solidFill>
+          <a:ln>
+            <a:noFill/>
+          </a:ln>
+          <a:effectLst>
+            <a:outerShdw blurRad="50800" dist="25400" dir="5400000" algn="ctr" rotWithShape="0">
+              <a:schemeClr val="bg2">
+                <a:lumMod val="75000"/>
+              </a:schemeClr>
+            </a:outerShdw>
+          </a:effectLst>
+        </p:spPr>
+        <p:style>
+          <a:lnRef idx="2">
+            <a:schemeClr val="accent1">
+              <a:shade val="15000"/>
+            </a:schemeClr>
+          </a:lnRef>
+          <a:fillRef idx="1">
+            <a:schemeClr val="accent1"/>
+          </a:fillRef>
+          <a:effectRef idx="0">
+            <a:schemeClr val="accent1"/>
+          </a:effectRef>
+          <a:fontRef idx="minor">
+            <a:schemeClr val="lt1"/>
+          </a:fontRef>
+        </p:style>
+        <p:txBody>
+          <a:bodyPr rtlCol="0" anchor="ctr"/>
+          <a:lstStyle/>
+          <a:p>
+            <a:pPr algn="ctr"/>
+            <a:endParaRPr lang="ko-KR" altLang="en-US"/>
+          </a:p>
+        </p:txBody>
+      </p:sp>
+      <p:sp>
+        <p:nvSpPr>
+          <p:cNvPr id="11" name="순서도: 수행의 시작/종료 10">
+            <a:extLst>
+              <a:ext uri="{FF2B5EF4-FFF2-40B4-BE49-F238E27FC236}">
+                <a16:creationId xmlns:a16="http://schemas.microsoft.com/office/drawing/2014/main" id="{F35A162D-0E2B-C6A9-B65F-03288584FE14}"/>
+              </a:ext>
+            </a:extLst>
+          </p:cNvPr>
+          <p:cNvSpPr/>
+          <p:nvPr/>
+        </p:nvSpPr>
+        <p:spPr>
+          <a:xfrm>
+            <a:off x="6546917" y="641015"/>
+            <a:ext cx="471342" cy="358219"/>
+          </a:xfrm>
+          <a:prstGeom prst="flowChartTerminator">
+            <a:avLst/>
+          </a:prstGeom>
+          <a:solidFill>
+            <a:srgbClr val="95B1D9"/>
+          </a:solidFill>
+          <a:ln>
+            <a:noFill/>
+          </a:ln>
+          <a:effectLst>
+            <a:outerShdw blurRad="50800" dist="25400" dir="5400000" algn="ctr" rotWithShape="0">
+              <a:schemeClr val="bg2">
+                <a:lumMod val="75000"/>
+              </a:schemeClr>
+            </a:outerShdw>
+          </a:effectLst>
+        </p:spPr>
+        <p:style>
+          <a:lnRef idx="2">
+            <a:schemeClr val="accent1">
+              <a:shade val="15000"/>
+            </a:schemeClr>
+          </a:lnRef>
+          <a:fillRef idx="1">
+            <a:schemeClr val="accent1"/>
+          </a:fillRef>
+          <a:effectRef idx="0">
+            <a:schemeClr val="accent1"/>
+          </a:effectRef>
+          <a:fontRef idx="minor">
+            <a:schemeClr val="lt1"/>
+          </a:fontRef>
+        </p:style>
+        <p:txBody>
+          <a:bodyPr rtlCol="0" anchor="ctr"/>
+          <a:lstStyle/>
+          <a:p>
+            <a:pPr algn="ctr"/>
+            <a:endParaRPr lang="ko-KR" altLang="en-US"/>
+          </a:p>
+        </p:txBody>
+      </p:sp>
+      <p:sp>
+        <p:nvSpPr>
+          <p:cNvPr id="12" name="순서도: 수행의 시작/종료 11">
+            <a:extLst>
+              <a:ext uri="{FF2B5EF4-FFF2-40B4-BE49-F238E27FC236}">
+                <a16:creationId xmlns:a16="http://schemas.microsoft.com/office/drawing/2014/main" id="{1BF947AF-224A-66D8-48D7-0A0F72045543}"/>
+              </a:ext>
+            </a:extLst>
+          </p:cNvPr>
+          <p:cNvSpPr/>
+          <p:nvPr/>
+        </p:nvSpPr>
+        <p:spPr>
+          <a:xfrm>
+            <a:off x="7151803" y="652010"/>
+            <a:ext cx="471342" cy="358219"/>
+          </a:xfrm>
+          <a:prstGeom prst="flowChartTerminator">
+            <a:avLst/>
+          </a:prstGeom>
+          <a:solidFill>
+            <a:srgbClr val="E8F1F2"/>
+          </a:solidFill>
+          <a:ln>
+            <a:noFill/>
+          </a:ln>
+          <a:effectLst>
+            <a:outerShdw blurRad="50800" dist="25400" dir="5400000" algn="ctr" rotWithShape="0">
+              <a:schemeClr val="bg2">
+                <a:lumMod val="75000"/>
+              </a:schemeClr>
+            </a:outerShdw>
+          </a:effectLst>
+        </p:spPr>
+        <p:style>
+          <a:lnRef idx="2">
+            <a:schemeClr val="accent1">
+              <a:shade val="15000"/>
+            </a:schemeClr>
+          </a:lnRef>
+          <a:fillRef idx="1">
+            <a:schemeClr val="accent1"/>
+          </a:fillRef>
+          <a:effectRef idx="0">
+            <a:schemeClr val="accent1"/>
+          </a:effectRef>
+          <a:fontRef idx="minor">
+            <a:schemeClr val="lt1"/>
+          </a:fontRef>
+        </p:style>
+        <p:txBody>
+          <a:bodyPr rtlCol="0" anchor="ctr"/>
+          <a:lstStyle/>
+          <a:p>
+            <a:pPr algn="ctr"/>
+            <a:endParaRPr lang="ko-KR" altLang="en-US"/>
+          </a:p>
+        </p:txBody>
+      </p:sp>
+      <p:sp>
+        <p:nvSpPr>
+          <p:cNvPr id="21" name="TextBox 20">
+            <a:extLst>
+              <a:ext uri="{FF2B5EF4-FFF2-40B4-BE49-F238E27FC236}">
+                <a16:creationId xmlns:a16="http://schemas.microsoft.com/office/drawing/2014/main" id="{78571FF7-6D80-6CD3-4B76-86ABC0877E45}"/>
+              </a:ext>
+            </a:extLst>
+          </p:cNvPr>
+          <p:cNvSpPr txBox="1"/>
+          <p:nvPr/>
+        </p:nvSpPr>
+        <p:spPr>
+          <a:xfrm>
+            <a:off x="5454978" y="153851"/>
+            <a:ext cx="1459584" cy="369332"/>
+          </a:xfrm>
+          <a:prstGeom prst="rect">
+            <a:avLst/>
+          </a:prstGeom>
+          <a:noFill/>
+        </p:spPr>
+        <p:txBody>
+          <a:bodyPr wrap="square" rtlCol="0">
+            <a:spAutoFit/>
+          </a:bodyPr>
+          <a:lstStyle/>
+          <a:p>
+            <a:pPr algn="ctr"/>
+            <a:r>
+              <a:rPr lang="en-US" altLang="ko-KR" b="1" i="0" dirty="0">
+                <a:solidFill>
+                  <a:srgbClr val="333333"/>
+                </a:solidFill>
+                <a:effectLst/>
+                <a:latin typeface="Roboto" panose="02000000000000000000" pitchFamily="2" charset="0"/>
+              </a:rPr>
+              <a:t>PORTFOLIO</a:t>
+            </a:r>
+          </a:p>
+        </p:txBody>
+      </p:sp>
+      <p:pic>
+        <p:nvPicPr>
+          <p:cNvPr id="3" name="그림 2">
+            <a:hlinkClick r:id="rId2" action="ppaction://hlinksldjump"/>
             <a:extLst>
               <a:ext uri="{FF2B5EF4-FFF2-40B4-BE49-F238E27FC236}">
                 <a16:creationId xmlns:a16="http://schemas.microsoft.com/office/drawing/2014/main" id="{516B5730-C3F9-1DF9-8A6D-FB3B358C4BE7}"/>
@@ -6418,7 +9778,7 @@
         </p:blipFill>
         <p:spPr>
           <a:xfrm>
-            <a:off x="4511322" y="651956"/>
+            <a:off x="4803556" y="651956"/>
             <a:ext cx="307005" cy="330620"/>
           </a:xfrm>
           <a:prstGeom prst="rect">
@@ -6429,6 +9789,7 @@
       <p:pic>
         <p:nvPicPr>
           <p:cNvPr id="2" name="그림 1">
+            <a:hlinkClick r:id="rId4" action="ppaction://hlinksldjump"/>
             <a:extLst>
               <a:ext uri="{FF2B5EF4-FFF2-40B4-BE49-F238E27FC236}">
                 <a16:creationId xmlns:a16="http://schemas.microsoft.com/office/drawing/2014/main" id="{5CA148E6-89D5-93A1-FF49-453C8701EB47}"/>
@@ -6441,15 +9802,107 @@
           <p:nvPr/>
         </p:nvPicPr>
         <p:blipFill>
-          <a:blip r:embed="rId4"/>
+          <a:blip r:embed="rId5"/>
           <a:stretch>
             <a:fillRect/>
           </a:stretch>
         </p:blipFill>
         <p:spPr>
           <a:xfrm>
-            <a:off x="5137706" y="649107"/>
+            <a:off x="5429940" y="649107"/>
             <a:ext cx="285750" cy="303068"/>
+          </a:xfrm>
+          <a:prstGeom prst="rect">
+            <a:avLst/>
+          </a:prstGeom>
+        </p:spPr>
+      </p:pic>
+      <p:pic>
+        <p:nvPicPr>
+          <p:cNvPr id="8" name="그림 7">
+            <a:hlinkClick r:id="rId6" action="ppaction://hlinksldjump"/>
+            <a:extLst>
+              <a:ext uri="{FF2B5EF4-FFF2-40B4-BE49-F238E27FC236}">
+                <a16:creationId xmlns:a16="http://schemas.microsoft.com/office/drawing/2014/main" id="{7407CB88-218F-3D6A-1B27-8D16BA6DE8FC}"/>
+              </a:ext>
+            </a:extLst>
+          </p:cNvPr>
+          <p:cNvPicPr>
+            <a:picLocks noChangeAspect="1"/>
+          </p:cNvPicPr>
+          <p:nvPr/>
+        </p:nvPicPr>
+        <p:blipFill>
+          <a:blip r:embed="rId7"/>
+          <a:stretch>
+            <a:fillRect/>
+          </a:stretch>
+        </p:blipFill>
+        <p:spPr>
+          <a:xfrm>
+            <a:off x="6030998" y="668351"/>
+            <a:ext cx="293407" cy="279095"/>
+          </a:xfrm>
+          <a:prstGeom prst="rect">
+            <a:avLst/>
+          </a:prstGeom>
+        </p:spPr>
+      </p:pic>
+      <p:pic>
+        <p:nvPicPr>
+          <p:cNvPr id="13" name="그림 12">
+            <a:extLst>
+              <a:ext uri="{FF2B5EF4-FFF2-40B4-BE49-F238E27FC236}">
+                <a16:creationId xmlns:a16="http://schemas.microsoft.com/office/drawing/2014/main" id="{02E2A29F-DE79-8ACE-00C1-687F1783AFF7}"/>
+              </a:ext>
+            </a:extLst>
+          </p:cNvPr>
+          <p:cNvPicPr>
+            <a:picLocks noChangeAspect="1"/>
+          </p:cNvPicPr>
+          <p:nvPr/>
+        </p:nvPicPr>
+        <p:blipFill>
+          <a:blip r:embed="rId8"/>
+          <a:stretch>
+            <a:fillRect/>
+          </a:stretch>
+        </p:blipFill>
+        <p:spPr>
+          <a:xfrm>
+            <a:off x="7238155" y="671585"/>
+            <a:ext cx="336345" cy="329188"/>
+          </a:xfrm>
+          <a:prstGeom prst="rect">
+            <a:avLst/>
+          </a:prstGeom>
+        </p:spPr>
+      </p:pic>
+      <p:pic>
+        <p:nvPicPr>
+          <p:cNvPr id="14" name="그림 13">
+            <a:hlinkClick r:id="rId9" action="ppaction://hlinksldjump"/>
+            <a:extLst>
+              <a:ext uri="{FF2B5EF4-FFF2-40B4-BE49-F238E27FC236}">
+                <a16:creationId xmlns:a16="http://schemas.microsoft.com/office/drawing/2014/main" id="{FE90E63B-6C79-3CF0-8852-860E6787CB18}"/>
+              </a:ext>
+            </a:extLst>
+          </p:cNvPr>
+          <p:cNvPicPr>
+            <a:picLocks noChangeAspect="1"/>
+          </p:cNvPicPr>
+          <p:nvPr/>
+        </p:nvPicPr>
+        <p:blipFill>
+          <a:blip r:embed="rId10"/>
+          <a:stretch>
+            <a:fillRect/>
+          </a:stretch>
+        </p:blipFill>
+        <p:spPr>
+          <a:xfrm>
+            <a:off x="6577238" y="687070"/>
+            <a:ext cx="355023" cy="294409"/>
           </a:xfrm>
           <a:prstGeom prst="rect">
             <a:avLst/>
@@ -6459,7 +9912,7 @@
     </p:spTree>
     <p:extLst>
       <p:ext uri="{BB962C8B-B14F-4D97-AF65-F5344CB8AC3E}">
-        <p14:creationId xmlns:p14="http://schemas.microsoft.com/office/powerpoint/2010/main" val="2360749495"/>
+        <p14:creationId xmlns:p14="http://schemas.microsoft.com/office/powerpoint/2010/main" val="1422516912"/>
       </p:ext>
     </p:extLst>
   </p:cSld>

--- a/portfolio_신준혁.pptx
+++ b/portfolio_신준혁.pptx
@@ -268,7 +268,7 @@
           <a:p>
             <a:fld id="{9E2C926A-7DE1-4B55-B528-7A84BAE6A19C}" type="datetimeFigureOut">
               <a:rPr lang="ko-KR" altLang="en-US" smtClean="0"/>
-              <a:t>2025-02-19</a:t>
+              <a:t>2025-02-21</a:t>
             </a:fld>
             <a:endParaRPr lang="ko-KR" altLang="en-US"/>
           </a:p>
@@ -466,7 +466,7 @@
           <a:p>
             <a:fld id="{9E2C926A-7DE1-4B55-B528-7A84BAE6A19C}" type="datetimeFigureOut">
               <a:rPr lang="ko-KR" altLang="en-US" smtClean="0"/>
-              <a:t>2025-02-19</a:t>
+              <a:t>2025-02-21</a:t>
             </a:fld>
             <a:endParaRPr lang="ko-KR" altLang="en-US"/>
           </a:p>
@@ -674,7 +674,7 @@
           <a:p>
             <a:fld id="{9E2C926A-7DE1-4B55-B528-7A84BAE6A19C}" type="datetimeFigureOut">
               <a:rPr lang="ko-KR" altLang="en-US" smtClean="0"/>
-              <a:t>2025-02-19</a:t>
+              <a:t>2025-02-21</a:t>
             </a:fld>
             <a:endParaRPr lang="ko-KR" altLang="en-US"/>
           </a:p>
@@ -872,7 +872,7 @@
           <a:p>
             <a:fld id="{9E2C926A-7DE1-4B55-B528-7A84BAE6A19C}" type="datetimeFigureOut">
               <a:rPr lang="ko-KR" altLang="en-US" smtClean="0"/>
-              <a:t>2025-02-19</a:t>
+              <a:t>2025-02-21</a:t>
             </a:fld>
             <a:endParaRPr lang="ko-KR" altLang="en-US"/>
           </a:p>
@@ -1147,7 +1147,7 @@
           <a:p>
             <a:fld id="{9E2C926A-7DE1-4B55-B528-7A84BAE6A19C}" type="datetimeFigureOut">
               <a:rPr lang="ko-KR" altLang="en-US" smtClean="0"/>
-              <a:t>2025-02-19</a:t>
+              <a:t>2025-02-21</a:t>
             </a:fld>
             <a:endParaRPr lang="ko-KR" altLang="en-US"/>
           </a:p>
@@ -1412,7 +1412,7 @@
           <a:p>
             <a:fld id="{9E2C926A-7DE1-4B55-B528-7A84BAE6A19C}" type="datetimeFigureOut">
               <a:rPr lang="ko-KR" altLang="en-US" smtClean="0"/>
-              <a:t>2025-02-19</a:t>
+              <a:t>2025-02-21</a:t>
             </a:fld>
             <a:endParaRPr lang="ko-KR" altLang="en-US"/>
           </a:p>
@@ -1824,7 +1824,7 @@
           <a:p>
             <a:fld id="{9E2C926A-7DE1-4B55-B528-7A84BAE6A19C}" type="datetimeFigureOut">
               <a:rPr lang="ko-KR" altLang="en-US" smtClean="0"/>
-              <a:t>2025-02-19</a:t>
+              <a:t>2025-02-21</a:t>
             </a:fld>
             <a:endParaRPr lang="ko-KR" altLang="en-US"/>
           </a:p>
@@ -1965,7 +1965,7 @@
           <a:p>
             <a:fld id="{9E2C926A-7DE1-4B55-B528-7A84BAE6A19C}" type="datetimeFigureOut">
               <a:rPr lang="ko-KR" altLang="en-US" smtClean="0"/>
-              <a:t>2025-02-19</a:t>
+              <a:t>2025-02-21</a:t>
             </a:fld>
             <a:endParaRPr lang="ko-KR" altLang="en-US"/>
           </a:p>
@@ -2078,7 +2078,7 @@
           <a:p>
             <a:fld id="{9E2C926A-7DE1-4B55-B528-7A84BAE6A19C}" type="datetimeFigureOut">
               <a:rPr lang="ko-KR" altLang="en-US" smtClean="0"/>
-              <a:t>2025-02-19</a:t>
+              <a:t>2025-02-21</a:t>
             </a:fld>
             <a:endParaRPr lang="ko-KR" altLang="en-US"/>
           </a:p>
@@ -2389,7 +2389,7 @@
           <a:p>
             <a:fld id="{9E2C926A-7DE1-4B55-B528-7A84BAE6A19C}" type="datetimeFigureOut">
               <a:rPr lang="ko-KR" altLang="en-US" smtClean="0"/>
-              <a:t>2025-02-19</a:t>
+              <a:t>2025-02-21</a:t>
             </a:fld>
             <a:endParaRPr lang="ko-KR" altLang="en-US"/>
           </a:p>
@@ -2677,7 +2677,7 @@
           <a:p>
             <a:fld id="{9E2C926A-7DE1-4B55-B528-7A84BAE6A19C}" type="datetimeFigureOut">
               <a:rPr lang="ko-KR" altLang="en-US" smtClean="0"/>
-              <a:t>2025-02-19</a:t>
+              <a:t>2025-02-21</a:t>
             </a:fld>
             <a:endParaRPr lang="ko-KR" altLang="en-US"/>
           </a:p>
@@ -2918,7 +2918,7 @@
           <a:p>
             <a:fld id="{9E2C926A-7DE1-4B55-B528-7A84BAE6A19C}" type="datetimeFigureOut">
               <a:rPr lang="ko-KR" altLang="en-US" smtClean="0"/>
-              <a:t>2025-02-19</a:t>
+              <a:t>2025-02-21</a:t>
             </a:fld>
             <a:endParaRPr lang="ko-KR" altLang="en-US"/>
           </a:p>
@@ -6688,8 +6688,8 @@
         </p:nvSpPr>
         <p:spPr>
           <a:xfrm>
-            <a:off x="5149048" y="1804234"/>
-            <a:ext cx="800219" cy="276999"/>
+            <a:off x="4943928" y="1804234"/>
+            <a:ext cx="1204176" cy="276999"/>
           </a:xfrm>
           <a:prstGeom prst="rect">
             <a:avLst/>
@@ -6703,7 +6703,7 @@
           <a:lstStyle/>
           <a:p>
             <a:r>
-              <a:rPr lang="ko-KR" altLang="en-US" sz="1200" b="1">
+              <a:rPr lang="en-US" altLang="ko-KR" sz="1200" b="1" dirty="0">
                 <a:solidFill>
                   <a:schemeClr val="accent3">
                     <a:lumMod val="75000"/>
@@ -6711,7 +6711,7 @@
                 </a:solidFill>
                 <a:latin typeface="Consolas" panose="020B0609020204030204" pitchFamily="49" charset="0"/>
               </a:rPr>
-              <a:t>머신러닝</a:t>
+              <a:t>Scikit-learn</a:t>
             </a:r>
             <a:endParaRPr lang="ko-KR" altLang="en-US" sz="1200" b="1" dirty="0">
               <a:solidFill>
@@ -6738,7 +6738,7 @@
         </p:nvSpPr>
         <p:spPr>
           <a:xfrm>
-            <a:off x="6471179" y="1814527"/>
+            <a:off x="6827288" y="1806286"/>
             <a:ext cx="694421" cy="276999"/>
           </a:xfrm>
           <a:prstGeom prst="rect">
@@ -6789,7 +6789,7 @@
         <p:spPr>
           <a:xfrm>
             <a:off x="5970323" y="2042349"/>
-            <a:ext cx="646331" cy="276999"/>
+            <a:ext cx="1034257" cy="276999"/>
           </a:xfrm>
           <a:prstGeom prst="rect">
             <a:avLst/>
@@ -6803,7 +6803,7 @@
           <a:lstStyle/>
           <a:p>
             <a:r>
-              <a:rPr lang="ko-KR" altLang="en-US" sz="1200" b="1" dirty="0">
+              <a:rPr lang="en-US" altLang="ko-KR" sz="1200" b="1" dirty="0" err="1">
                 <a:solidFill>
                   <a:schemeClr val="accent3">
                     <a:lumMod val="75000"/>
@@ -6811,8 +6811,16 @@
                 </a:solidFill>
                 <a:latin typeface="Consolas" panose="020B0609020204030204" pitchFamily="49" charset="0"/>
               </a:rPr>
-              <a:t>딥러닝</a:t>
-            </a:r>
+              <a:t>tensorflow</a:t>
+            </a:r>
+            <a:endParaRPr lang="ko-KR" altLang="en-US" sz="1200" b="1" dirty="0">
+              <a:solidFill>
+                <a:schemeClr val="accent3">
+                  <a:lumMod val="75000"/>
+                </a:schemeClr>
+              </a:solidFill>
+              <a:latin typeface="Consolas" panose="020B0609020204030204" pitchFamily="49" charset="0"/>
+            </a:endParaRPr>
           </a:p>
         </p:txBody>
       </p:sp>
@@ -8417,8 +8425,8 @@
         </p:nvSpPr>
         <p:spPr>
           <a:xfrm>
-            <a:off x="3658781" y="4318808"/>
-            <a:ext cx="940324" cy="246221"/>
+            <a:off x="3383012" y="4343169"/>
+            <a:ext cx="1987292" cy="246221"/>
           </a:xfrm>
           <a:prstGeom prst="rect">
             <a:avLst/>
@@ -8441,6 +8449,16 @@
               </a:rPr>
               <a:t>PopcornAPP</a:t>
             </a:r>
+            <a:r>
+              <a:rPr lang="en-US" altLang="ko-KR" sz="1000" b="0" i="0" dirty="0">
+                <a:solidFill>
+                  <a:srgbClr val="333333"/>
+                </a:solidFill>
+                <a:effectLst/>
+                <a:latin typeface="Roboto" panose="02000000000000000000" pitchFamily="2" charset="0"/>
+              </a:rPr>
+              <a:t>(ID:user,PW:1234)</a:t>
+            </a:r>
             <a:endParaRPr lang="ko-KR" altLang="en-US" sz="1000" dirty="0"/>
           </a:p>
         </p:txBody>
@@ -8482,7 +8500,7 @@
                 <a:effectLst/>
                 <a:latin typeface="Roboto" panose="02000000000000000000" pitchFamily="2" charset="0"/>
               </a:rPr>
-              <a:t>Python, Flask, Blueprint, session, API, MySQL, HTML, CSS, JavaScript</a:t>
+              <a:t>Python, Flask, scikit-learn, session, API, MySQL, HTML, CSS, JavaScript</a:t>
             </a:r>
             <a:endParaRPr lang="ko-KR" altLang="en-US" sz="1000" dirty="0"/>
           </a:p>
